--- a/feketeattila/feketeattilajavaee.pptx
+++ b/feketeattila/feketeattilajavaee.pptx
@@ -4,6 +4,9 @@
   <p:sldMasterIdLst>
     <p:sldMasterId id="2147483660" r:id="rId1"/>
   </p:sldMasterIdLst>
+  <p:notesMasterIdLst>
+    <p:notesMasterId r:id="rId9"/>
+  </p:notesMasterIdLst>
   <p:sldIdLst>
     <p:sldId id="257" r:id="rId2"/>
     <p:sldId id="256" r:id="rId3"/>
@@ -129,6 +132,933 @@
 </p:presentation>
 </file>
 
+<file path=ppt/notesMasters/notesMaster1.xml><?xml version="1.0" encoding="utf-8"?>
+<p:notesMaster xmlns:a="http://schemas.openxmlformats.org/drawingml/2006/main" xmlns:r="http://schemas.openxmlformats.org/officeDocument/2006/relationships" xmlns:p="http://schemas.openxmlformats.org/presentationml/2006/main">
+  <p:cSld>
+    <p:bg>
+      <p:bgRef idx="1001">
+        <a:schemeClr val="bg1"/>
+      </p:bgRef>
+    </p:bg>
+    <p:spTree>
+      <p:nvGrpSpPr>
+        <p:cNvPr id="1" name=""/>
+        <p:cNvGrpSpPr/>
+        <p:nvPr/>
+      </p:nvGrpSpPr>
+      <p:grpSpPr>
+        <a:xfrm>
+          <a:off x="0" y="0"/>
+          <a:ext cx="0" cy="0"/>
+          <a:chOff x="0" y="0"/>
+          <a:chExt cx="0" cy="0"/>
+        </a:xfrm>
+      </p:grpSpPr>
+      <p:sp>
+        <p:nvSpPr>
+          <p:cNvPr id="2" name="Élőfej helye 1"/>
+          <p:cNvSpPr>
+            <a:spLocks noGrp="1"/>
+          </p:cNvSpPr>
+          <p:nvPr>
+            <p:ph type="hdr" sz="quarter"/>
+          </p:nvPr>
+        </p:nvSpPr>
+        <p:spPr>
+          <a:xfrm>
+            <a:off x="0" y="0"/>
+            <a:ext cx="2971800" cy="458788"/>
+          </a:xfrm>
+          <a:prstGeom prst="rect">
+            <a:avLst/>
+          </a:prstGeom>
+        </p:spPr>
+        <p:txBody>
+          <a:bodyPr vert="horz" lIns="91440" tIns="45720" rIns="91440" bIns="45720" rtlCol="0"/>
+          <a:lstStyle>
+            <a:lvl1pPr algn="l">
+              <a:defRPr sz="1200"/>
+            </a:lvl1pPr>
+          </a:lstStyle>
+          <a:p>
+            <a:endParaRPr lang="hu-HU"/>
+          </a:p>
+        </p:txBody>
+      </p:sp>
+      <p:sp>
+        <p:nvSpPr>
+          <p:cNvPr id="3" name="Dátum helye 2"/>
+          <p:cNvSpPr>
+            <a:spLocks noGrp="1"/>
+          </p:cNvSpPr>
+          <p:nvPr>
+            <p:ph type="dt" idx="1"/>
+          </p:nvPr>
+        </p:nvSpPr>
+        <p:spPr>
+          <a:xfrm>
+            <a:off x="3884613" y="0"/>
+            <a:ext cx="2971800" cy="458788"/>
+          </a:xfrm>
+          <a:prstGeom prst="rect">
+            <a:avLst/>
+          </a:prstGeom>
+        </p:spPr>
+        <p:txBody>
+          <a:bodyPr vert="horz" lIns="91440" tIns="45720" rIns="91440" bIns="45720" rtlCol="0"/>
+          <a:lstStyle>
+            <a:lvl1pPr algn="r">
+              <a:defRPr sz="1200"/>
+            </a:lvl1pPr>
+          </a:lstStyle>
+          <a:p>
+            <a:fld id="{D2CAC537-1148-4D9D-B1D4-4876C6D7A9B8}" type="datetimeFigureOut">
+              <a:rPr lang="hu-HU" smtClean="0"/>
+              <a:t>2016.05.20.</a:t>
+            </a:fld>
+            <a:endParaRPr lang="hu-HU"/>
+          </a:p>
+        </p:txBody>
+      </p:sp>
+      <p:sp>
+        <p:nvSpPr>
+          <p:cNvPr id="4" name="Diakép helye 3"/>
+          <p:cNvSpPr>
+            <a:spLocks noGrp="1" noRot="1" noChangeAspect="1"/>
+          </p:cNvSpPr>
+          <p:nvPr>
+            <p:ph type="sldImg" idx="2"/>
+          </p:nvPr>
+        </p:nvSpPr>
+        <p:spPr>
+          <a:xfrm>
+            <a:off x="685800" y="1143000"/>
+            <a:ext cx="5486400" cy="3086100"/>
+          </a:xfrm>
+          <a:prstGeom prst="rect">
+            <a:avLst/>
+          </a:prstGeom>
+          <a:noFill/>
+          <a:ln w="12700">
+            <a:solidFill>
+              <a:prstClr val="black"/>
+            </a:solidFill>
+          </a:ln>
+        </p:spPr>
+        <p:txBody>
+          <a:bodyPr vert="horz" lIns="91440" tIns="45720" rIns="91440" bIns="45720" rtlCol="0" anchor="ctr"/>
+          <a:lstStyle/>
+          <a:p>
+            <a:endParaRPr lang="hu-HU"/>
+          </a:p>
+        </p:txBody>
+      </p:sp>
+      <p:sp>
+        <p:nvSpPr>
+          <p:cNvPr id="5" name="Jegyzetek helye 4"/>
+          <p:cNvSpPr>
+            <a:spLocks noGrp="1"/>
+          </p:cNvSpPr>
+          <p:nvPr>
+            <p:ph type="body" sz="quarter" idx="3"/>
+          </p:nvPr>
+        </p:nvSpPr>
+        <p:spPr>
+          <a:xfrm>
+            <a:off x="685800" y="4400550"/>
+            <a:ext cx="5486400" cy="3600450"/>
+          </a:xfrm>
+          <a:prstGeom prst="rect">
+            <a:avLst/>
+          </a:prstGeom>
+        </p:spPr>
+        <p:txBody>
+          <a:bodyPr vert="horz" lIns="91440" tIns="45720" rIns="91440" bIns="45720" rtlCol="0"/>
+          <a:lstStyle/>
+          <a:p>
+            <a:pPr lvl="0"/>
+            <a:r>
+              <a:rPr lang="hu-HU"/>
+              <a:t>Mintaszöveg szerkesztése</a:t>
+            </a:r>
+          </a:p>
+          <a:p>
+            <a:pPr lvl="1"/>
+            <a:r>
+              <a:rPr lang="hu-HU"/>
+              <a:t>Második szint</a:t>
+            </a:r>
+          </a:p>
+          <a:p>
+            <a:pPr lvl="2"/>
+            <a:r>
+              <a:rPr lang="hu-HU"/>
+              <a:t>Harmadik szint</a:t>
+            </a:r>
+          </a:p>
+          <a:p>
+            <a:pPr lvl="3"/>
+            <a:r>
+              <a:rPr lang="hu-HU"/>
+              <a:t>Negyedik szint</a:t>
+            </a:r>
+          </a:p>
+          <a:p>
+            <a:pPr lvl="4"/>
+            <a:r>
+              <a:rPr lang="hu-HU"/>
+              <a:t>Ötödik szint</a:t>
+            </a:r>
+            <a:endParaRPr lang="hu-HU"/>
+          </a:p>
+        </p:txBody>
+      </p:sp>
+      <p:sp>
+        <p:nvSpPr>
+          <p:cNvPr id="6" name="Élőláb helye 5"/>
+          <p:cNvSpPr>
+            <a:spLocks noGrp="1"/>
+          </p:cNvSpPr>
+          <p:nvPr>
+            <p:ph type="ftr" sz="quarter" idx="4"/>
+          </p:nvPr>
+        </p:nvSpPr>
+        <p:spPr>
+          <a:xfrm>
+            <a:off x="0" y="8685213"/>
+            <a:ext cx="2971800" cy="458787"/>
+          </a:xfrm>
+          <a:prstGeom prst="rect">
+            <a:avLst/>
+          </a:prstGeom>
+        </p:spPr>
+        <p:txBody>
+          <a:bodyPr vert="horz" lIns="91440" tIns="45720" rIns="91440" bIns="45720" rtlCol="0" anchor="b"/>
+          <a:lstStyle>
+            <a:lvl1pPr algn="l">
+              <a:defRPr sz="1200"/>
+            </a:lvl1pPr>
+          </a:lstStyle>
+          <a:p>
+            <a:endParaRPr lang="hu-HU"/>
+          </a:p>
+        </p:txBody>
+      </p:sp>
+      <p:sp>
+        <p:nvSpPr>
+          <p:cNvPr id="7" name="Dia számának helye 6"/>
+          <p:cNvSpPr>
+            <a:spLocks noGrp="1"/>
+          </p:cNvSpPr>
+          <p:nvPr>
+            <p:ph type="sldNum" sz="quarter" idx="5"/>
+          </p:nvPr>
+        </p:nvSpPr>
+        <p:spPr>
+          <a:xfrm>
+            <a:off x="3884613" y="8685213"/>
+            <a:ext cx="2971800" cy="458787"/>
+          </a:xfrm>
+          <a:prstGeom prst="rect">
+            <a:avLst/>
+          </a:prstGeom>
+        </p:spPr>
+        <p:txBody>
+          <a:bodyPr vert="horz" lIns="91440" tIns="45720" rIns="91440" bIns="45720" rtlCol="0" anchor="b"/>
+          <a:lstStyle>
+            <a:lvl1pPr algn="r">
+              <a:defRPr sz="1200"/>
+            </a:lvl1pPr>
+          </a:lstStyle>
+          <a:p>
+            <a:fld id="{3A76D716-6E4E-4415-B8E8-84E3B0BE403E}" type="slidenum">
+              <a:rPr lang="hu-HU" smtClean="0"/>
+              <a:t>‹#›</a:t>
+            </a:fld>
+            <a:endParaRPr lang="hu-HU"/>
+          </a:p>
+        </p:txBody>
+      </p:sp>
+    </p:spTree>
+    <p:extLst>
+      <p:ext uri="{BB962C8B-B14F-4D97-AF65-F5344CB8AC3E}">
+        <p14:creationId xmlns:p14="http://schemas.microsoft.com/office/powerpoint/2010/main" val="2881439820"/>
+      </p:ext>
+    </p:extLst>
+  </p:cSld>
+  <p:clrMap bg1="lt1" tx1="dk1" bg2="lt2" tx2="dk2" accent1="accent1" accent2="accent2" accent3="accent3" accent4="accent4" accent5="accent5" accent6="accent6" hlink="hlink" folHlink="folHlink"/>
+  <p:notesStyle>
+    <a:lvl1pPr marL="0" algn="l" defTabSz="914400" rtl="0" eaLnBrk="1" latinLnBrk="0" hangingPunct="1">
+      <a:defRPr sz="1200" kern="1200">
+        <a:solidFill>
+          <a:schemeClr val="tx1"/>
+        </a:solidFill>
+        <a:latin typeface="+mn-lt"/>
+        <a:ea typeface="+mn-ea"/>
+        <a:cs typeface="+mn-cs"/>
+      </a:defRPr>
+    </a:lvl1pPr>
+    <a:lvl2pPr marL="457200" algn="l" defTabSz="914400" rtl="0" eaLnBrk="1" latinLnBrk="0" hangingPunct="1">
+      <a:defRPr sz="1200" kern="1200">
+        <a:solidFill>
+          <a:schemeClr val="tx1"/>
+        </a:solidFill>
+        <a:latin typeface="+mn-lt"/>
+        <a:ea typeface="+mn-ea"/>
+        <a:cs typeface="+mn-cs"/>
+      </a:defRPr>
+    </a:lvl2pPr>
+    <a:lvl3pPr marL="914400" algn="l" defTabSz="914400" rtl="0" eaLnBrk="1" latinLnBrk="0" hangingPunct="1">
+      <a:defRPr sz="1200" kern="1200">
+        <a:solidFill>
+          <a:schemeClr val="tx1"/>
+        </a:solidFill>
+        <a:latin typeface="+mn-lt"/>
+        <a:ea typeface="+mn-ea"/>
+        <a:cs typeface="+mn-cs"/>
+      </a:defRPr>
+    </a:lvl3pPr>
+    <a:lvl4pPr marL="1371600" algn="l" defTabSz="914400" rtl="0" eaLnBrk="1" latinLnBrk="0" hangingPunct="1">
+      <a:defRPr sz="1200" kern="1200">
+        <a:solidFill>
+          <a:schemeClr val="tx1"/>
+        </a:solidFill>
+        <a:latin typeface="+mn-lt"/>
+        <a:ea typeface="+mn-ea"/>
+        <a:cs typeface="+mn-cs"/>
+      </a:defRPr>
+    </a:lvl4pPr>
+    <a:lvl5pPr marL="1828800" algn="l" defTabSz="914400" rtl="0" eaLnBrk="1" latinLnBrk="0" hangingPunct="1">
+      <a:defRPr sz="1200" kern="1200">
+        <a:solidFill>
+          <a:schemeClr val="tx1"/>
+        </a:solidFill>
+        <a:latin typeface="+mn-lt"/>
+        <a:ea typeface="+mn-ea"/>
+        <a:cs typeface="+mn-cs"/>
+      </a:defRPr>
+    </a:lvl5pPr>
+    <a:lvl6pPr marL="2286000" algn="l" defTabSz="914400" rtl="0" eaLnBrk="1" latinLnBrk="0" hangingPunct="1">
+      <a:defRPr sz="1200" kern="1200">
+        <a:solidFill>
+          <a:schemeClr val="tx1"/>
+        </a:solidFill>
+        <a:latin typeface="+mn-lt"/>
+        <a:ea typeface="+mn-ea"/>
+        <a:cs typeface="+mn-cs"/>
+      </a:defRPr>
+    </a:lvl6pPr>
+    <a:lvl7pPr marL="2743200" algn="l" defTabSz="914400" rtl="0" eaLnBrk="1" latinLnBrk="0" hangingPunct="1">
+      <a:defRPr sz="1200" kern="1200">
+        <a:solidFill>
+          <a:schemeClr val="tx1"/>
+        </a:solidFill>
+        <a:latin typeface="+mn-lt"/>
+        <a:ea typeface="+mn-ea"/>
+        <a:cs typeface="+mn-cs"/>
+      </a:defRPr>
+    </a:lvl7pPr>
+    <a:lvl8pPr marL="3200400" algn="l" defTabSz="914400" rtl="0" eaLnBrk="1" latinLnBrk="0" hangingPunct="1">
+      <a:defRPr sz="1200" kern="1200">
+        <a:solidFill>
+          <a:schemeClr val="tx1"/>
+        </a:solidFill>
+        <a:latin typeface="+mn-lt"/>
+        <a:ea typeface="+mn-ea"/>
+        <a:cs typeface="+mn-cs"/>
+      </a:defRPr>
+    </a:lvl8pPr>
+    <a:lvl9pPr marL="3657600" algn="l" defTabSz="914400" rtl="0" eaLnBrk="1" latinLnBrk="0" hangingPunct="1">
+      <a:defRPr sz="1200" kern="1200">
+        <a:solidFill>
+          <a:schemeClr val="tx1"/>
+        </a:solidFill>
+        <a:latin typeface="+mn-lt"/>
+        <a:ea typeface="+mn-ea"/>
+        <a:cs typeface="+mn-cs"/>
+      </a:defRPr>
+    </a:lvl9pPr>
+  </p:notesStyle>
+</p:notesMaster>
+</file>
+
+<file path=ppt/notesSlides/notesSlide1.xml><?xml version="1.0" encoding="utf-8"?>
+<p:notes xmlns:a="http://schemas.openxmlformats.org/drawingml/2006/main" xmlns:r="http://schemas.openxmlformats.org/officeDocument/2006/relationships" xmlns:p="http://schemas.openxmlformats.org/presentationml/2006/main">
+  <p:cSld>
+    <p:spTree>
+      <p:nvGrpSpPr>
+        <p:cNvPr id="1" name=""/>
+        <p:cNvGrpSpPr/>
+        <p:nvPr/>
+      </p:nvGrpSpPr>
+      <p:grpSpPr>
+        <a:xfrm>
+          <a:off x="0" y="0"/>
+          <a:ext cx="0" cy="0"/>
+          <a:chOff x="0" y="0"/>
+          <a:chExt cx="0" cy="0"/>
+        </a:xfrm>
+      </p:grpSpPr>
+      <p:sp>
+        <p:nvSpPr>
+          <p:cNvPr id="2" name="Diakép helye 1"/>
+          <p:cNvSpPr>
+            <a:spLocks noGrp="1" noRot="1" noChangeAspect="1"/>
+          </p:cNvSpPr>
+          <p:nvPr>
+            <p:ph type="sldImg"/>
+          </p:nvPr>
+        </p:nvSpPr>
+        <p:spPr/>
+      </p:sp>
+      <p:sp>
+        <p:nvSpPr>
+          <p:cNvPr id="3" name="Jegyzetek helye 2"/>
+          <p:cNvSpPr>
+            <a:spLocks noGrp="1"/>
+          </p:cNvSpPr>
+          <p:nvPr>
+            <p:ph type="body" idx="1"/>
+          </p:nvPr>
+        </p:nvSpPr>
+        <p:spPr/>
+        <p:txBody>
+          <a:bodyPr/>
+          <a:lstStyle/>
+          <a:p>
+            <a:r>
+              <a:rPr lang="hu-HU" dirty="0"/>
+              <a:t>Üdvözlök mindenkit</a:t>
+            </a:r>
+            <a:r>
+              <a:rPr lang="hu-HU" baseline="0" dirty="0"/>
+              <a:t> ezen a bemutatón, Fekete Attila vagyok, a Debreceni Egyetem harmadéves Programtervező Informatikus hallgatója, valamint a Teszt-modul egyik fejlesztője.</a:t>
+            </a:r>
+            <a:endParaRPr lang="hu-HU" dirty="0"/>
+          </a:p>
+        </p:txBody>
+      </p:sp>
+      <p:sp>
+        <p:nvSpPr>
+          <p:cNvPr id="4" name="Dia számának helye 3"/>
+          <p:cNvSpPr>
+            <a:spLocks noGrp="1"/>
+          </p:cNvSpPr>
+          <p:nvPr>
+            <p:ph type="sldNum" sz="quarter" idx="10"/>
+          </p:nvPr>
+        </p:nvSpPr>
+        <p:spPr/>
+        <p:txBody>
+          <a:bodyPr/>
+          <a:lstStyle/>
+          <a:p>
+            <a:fld id="{3A76D716-6E4E-4415-B8E8-84E3B0BE403E}" type="slidenum">
+              <a:rPr lang="hu-HU" smtClean="0"/>
+              <a:t>2</a:t>
+            </a:fld>
+            <a:endParaRPr lang="hu-HU"/>
+          </a:p>
+        </p:txBody>
+      </p:sp>
+    </p:spTree>
+    <p:extLst>
+      <p:ext uri="{BB962C8B-B14F-4D97-AF65-F5344CB8AC3E}">
+        <p14:creationId xmlns:p14="http://schemas.microsoft.com/office/powerpoint/2010/main" val="1720707028"/>
+      </p:ext>
+    </p:extLst>
+  </p:cSld>
+  <p:clrMapOvr>
+    <a:masterClrMapping/>
+  </p:clrMapOvr>
+</p:notes>
+</file>
+
+<file path=ppt/notesSlides/notesSlide2.xml><?xml version="1.0" encoding="utf-8"?>
+<p:notes xmlns:a="http://schemas.openxmlformats.org/drawingml/2006/main" xmlns:r="http://schemas.openxmlformats.org/officeDocument/2006/relationships" xmlns:p="http://schemas.openxmlformats.org/presentationml/2006/main">
+  <p:cSld>
+    <p:spTree>
+      <p:nvGrpSpPr>
+        <p:cNvPr id="1" name=""/>
+        <p:cNvGrpSpPr/>
+        <p:nvPr/>
+      </p:nvGrpSpPr>
+      <p:grpSpPr>
+        <a:xfrm>
+          <a:off x="0" y="0"/>
+          <a:ext cx="0" cy="0"/>
+          <a:chOff x="0" y="0"/>
+          <a:chExt cx="0" cy="0"/>
+        </a:xfrm>
+      </p:grpSpPr>
+      <p:sp>
+        <p:nvSpPr>
+          <p:cNvPr id="2" name="Diakép helye 1"/>
+          <p:cNvSpPr>
+            <a:spLocks noGrp="1" noRot="1" noChangeAspect="1"/>
+          </p:cNvSpPr>
+          <p:nvPr>
+            <p:ph type="sldImg"/>
+          </p:nvPr>
+        </p:nvSpPr>
+        <p:spPr/>
+      </p:sp>
+      <p:sp>
+        <p:nvSpPr>
+          <p:cNvPr id="3" name="Jegyzetek helye 2"/>
+          <p:cNvSpPr>
+            <a:spLocks noGrp="1"/>
+          </p:cNvSpPr>
+          <p:nvPr>
+            <p:ph type="body" idx="1"/>
+          </p:nvPr>
+        </p:nvSpPr>
+        <p:spPr/>
+        <p:txBody>
+          <a:bodyPr/>
+          <a:lstStyle/>
+          <a:p>
+            <a:r>
+              <a:rPr lang="hu-HU" dirty="0"/>
+              <a:t>A csapat három tagból,</a:t>
+            </a:r>
+            <a:r>
+              <a:rPr lang="hu-HU" baseline="0" dirty="0"/>
+              <a:t> plusz a csapatvezetőnkből áll. A tagok: Erdei Krisztián, Iványi-Nagy Gábor, és jómagam, a csapatvezetőnk pedig Farkas László.</a:t>
+            </a:r>
+          </a:p>
+          <a:p>
+            <a:endParaRPr lang="hu-HU" baseline="0" dirty="0"/>
+          </a:p>
+          <a:p>
+            <a:r>
+              <a:rPr lang="hu-HU" baseline="0" dirty="0"/>
+              <a:t>Én személy szerint úgy érzem, hogy a lehető legjobb csapatba kerültem, hiszem két csapattársamat az egyetemi pályafutásom során már sikerült jól megismernem, így a csapat tulajdonképpen egy baráti kört foglalt magába. A csapatvezetőnkről is csak pozitívan tudok vélekedni, hiszen az egész projekt alatt segítőkezet nyújtott nekünk a nagyobb kérdések megválaszolásában, kihívások leküzdésében.</a:t>
+            </a:r>
+          </a:p>
+          <a:p>
+            <a:endParaRPr lang="hu-HU" baseline="0" dirty="0"/>
+          </a:p>
+          <a:p>
+            <a:r>
+              <a:rPr lang="hu-HU" baseline="0" dirty="0"/>
+              <a:t>A kommunikáció szinte minden napos volt, több órás </a:t>
+            </a:r>
+            <a:r>
+              <a:rPr lang="hu-HU" baseline="0" dirty="0" err="1"/>
+              <a:t>skype</a:t>
+            </a:r>
+            <a:r>
+              <a:rPr lang="hu-HU" baseline="0" dirty="0"/>
+              <a:t>-session-</a:t>
+            </a:r>
+            <a:r>
+              <a:rPr lang="hu-HU" baseline="0" dirty="0" err="1"/>
+              <a:t>ök</a:t>
+            </a:r>
+            <a:r>
+              <a:rPr lang="hu-HU" baseline="0" dirty="0"/>
+              <a:t> formájában. Szinte mindenen hamar meg tudtunk egyezni, konfliktus egyszer se alakult ki, arra ugye ott volt a GIT. Mindenki rendesen kivette a részét a munkából, és a rá bízott feladatot igyekezett a legjobb tudása szerint megoldani.</a:t>
+            </a:r>
+            <a:endParaRPr lang="hu-HU" dirty="0"/>
+          </a:p>
+        </p:txBody>
+      </p:sp>
+      <p:sp>
+        <p:nvSpPr>
+          <p:cNvPr id="4" name="Dia számának helye 3"/>
+          <p:cNvSpPr>
+            <a:spLocks noGrp="1"/>
+          </p:cNvSpPr>
+          <p:nvPr>
+            <p:ph type="sldNum" sz="quarter" idx="10"/>
+          </p:nvPr>
+        </p:nvSpPr>
+        <p:spPr/>
+        <p:txBody>
+          <a:bodyPr/>
+          <a:lstStyle/>
+          <a:p>
+            <a:fld id="{3A76D716-6E4E-4415-B8E8-84E3B0BE403E}" type="slidenum">
+              <a:rPr lang="hu-HU" smtClean="0"/>
+              <a:t>3</a:t>
+            </a:fld>
+            <a:endParaRPr lang="hu-HU"/>
+          </a:p>
+        </p:txBody>
+      </p:sp>
+    </p:spTree>
+    <p:extLst>
+      <p:ext uri="{BB962C8B-B14F-4D97-AF65-F5344CB8AC3E}">
+        <p14:creationId xmlns:p14="http://schemas.microsoft.com/office/powerpoint/2010/main" val="1676530261"/>
+      </p:ext>
+    </p:extLst>
+  </p:cSld>
+  <p:clrMapOvr>
+    <a:masterClrMapping/>
+  </p:clrMapOvr>
+</p:notes>
+</file>
+
+<file path=ppt/notesSlides/notesSlide3.xml><?xml version="1.0" encoding="utf-8"?>
+<p:notes xmlns:a="http://schemas.openxmlformats.org/drawingml/2006/main" xmlns:r="http://schemas.openxmlformats.org/officeDocument/2006/relationships" xmlns:p="http://schemas.openxmlformats.org/presentationml/2006/main">
+  <p:cSld>
+    <p:spTree>
+      <p:nvGrpSpPr>
+        <p:cNvPr id="1" name=""/>
+        <p:cNvGrpSpPr/>
+        <p:nvPr/>
+      </p:nvGrpSpPr>
+      <p:grpSpPr>
+        <a:xfrm>
+          <a:off x="0" y="0"/>
+          <a:ext cx="0" cy="0"/>
+          <a:chOff x="0" y="0"/>
+          <a:chExt cx="0" cy="0"/>
+        </a:xfrm>
+      </p:grpSpPr>
+      <p:sp>
+        <p:nvSpPr>
+          <p:cNvPr id="2" name="Diakép helye 1"/>
+          <p:cNvSpPr>
+            <a:spLocks noGrp="1" noRot="1" noChangeAspect="1"/>
+          </p:cNvSpPr>
+          <p:nvPr>
+            <p:ph type="sldImg"/>
+          </p:nvPr>
+        </p:nvSpPr>
+        <p:spPr/>
+      </p:sp>
+      <p:sp>
+        <p:nvSpPr>
+          <p:cNvPr id="3" name="Jegyzetek helye 2"/>
+          <p:cNvSpPr>
+            <a:spLocks noGrp="1"/>
+          </p:cNvSpPr>
+          <p:nvPr>
+            <p:ph type="body" idx="1"/>
+          </p:nvPr>
+        </p:nvSpPr>
+        <p:spPr/>
+        <p:txBody>
+          <a:bodyPr/>
+          <a:lstStyle/>
+          <a:p>
+            <a:r>
+              <a:rPr lang="hu-HU" dirty="0"/>
+              <a:t>Itt meg is említenék</a:t>
+            </a:r>
+            <a:r>
+              <a:rPr lang="hu-HU" baseline="0" dirty="0"/>
+              <a:t> pár általam megoldott, nagyobb kaliberű feladatod:</a:t>
+            </a:r>
+          </a:p>
+          <a:p>
+            <a:endParaRPr lang="hu-HU" baseline="0" dirty="0"/>
+          </a:p>
+          <a:p>
+            <a:r>
+              <a:rPr lang="hu-HU" baseline="0" dirty="0"/>
+              <a:t>Időm egy elég nagy részét a Többválaszos kérdések létrehozása, módosítása okozta. Három kérdéstípusunk van: Amire csak egy jó válasz van, amire több jó válasz is lehet, és amire a diáknak szövegesen kell válaszolni.</a:t>
+            </a:r>
+          </a:p>
+          <a:p>
+            <a:r>
+              <a:rPr lang="hu-HU" baseline="0" dirty="0"/>
+              <a:t>Nem is a feladat nehézsége okozott kihívást, hanem a rengeteg megoldáslehetőség miatt. Ki kellett találnunk egy olyan megoldást, ami az összes többi kérdéstípusnál is alkalmazható, apró módosításokkal. Ezt a megoldást viszonylag hamar sikerült is megtalálnom, és ezen az úton el is tudtunk indulni.</a:t>
+            </a:r>
+          </a:p>
+          <a:p>
+            <a:endParaRPr lang="hu-HU" baseline="0" dirty="0"/>
+          </a:p>
+          <a:p>
+            <a:r>
+              <a:rPr lang="hu-HU" baseline="0" dirty="0"/>
+              <a:t>Egy másik feladatom a Teszt javítása. Teszt javítására csak az olyan tesztek esetén van szükség, amelyek tartalmaznak szöveges választ igénylő kérdéseket, ugyanis a többi kérdést a rendszer a teszt benyújtása után automatikusan kiértékeli, ám a szöveges válaszoknál tanár általi elfogadásra van szükség. A feladat nem okozott túl nagy fejfájást, de úgy érzem itt említést érdemel.</a:t>
+            </a:r>
+          </a:p>
+          <a:p>
+            <a:endParaRPr lang="hu-HU" baseline="0" dirty="0"/>
+          </a:p>
+          <a:p>
+            <a:r>
+              <a:rPr lang="hu-HU" baseline="0" dirty="0"/>
+              <a:t>Végül meg szeretném említeni a Képfeltöltést, ami szintén a megoldási lehetőségek miatt volt érdekes megoldani. Erről a kihívásról… [DIÁT VÁLT]</a:t>
+            </a:r>
+          </a:p>
+        </p:txBody>
+      </p:sp>
+      <p:sp>
+        <p:nvSpPr>
+          <p:cNvPr id="4" name="Dia számának helye 3"/>
+          <p:cNvSpPr>
+            <a:spLocks noGrp="1"/>
+          </p:cNvSpPr>
+          <p:nvPr>
+            <p:ph type="sldNum" sz="quarter" idx="10"/>
+          </p:nvPr>
+        </p:nvSpPr>
+        <p:spPr/>
+        <p:txBody>
+          <a:bodyPr/>
+          <a:lstStyle/>
+          <a:p>
+            <a:fld id="{3A76D716-6E4E-4415-B8E8-84E3B0BE403E}" type="slidenum">
+              <a:rPr lang="hu-HU" smtClean="0"/>
+              <a:t>4</a:t>
+            </a:fld>
+            <a:endParaRPr lang="hu-HU"/>
+          </a:p>
+        </p:txBody>
+      </p:sp>
+    </p:spTree>
+    <p:extLst>
+      <p:ext uri="{BB962C8B-B14F-4D97-AF65-F5344CB8AC3E}">
+        <p14:creationId xmlns:p14="http://schemas.microsoft.com/office/powerpoint/2010/main" val="3901306748"/>
+      </p:ext>
+    </p:extLst>
+  </p:cSld>
+  <p:clrMapOvr>
+    <a:masterClrMapping/>
+  </p:clrMapOvr>
+</p:notes>
+</file>
+
+<file path=ppt/notesSlides/notesSlide4.xml><?xml version="1.0" encoding="utf-8"?>
+<p:notes xmlns:a="http://schemas.openxmlformats.org/drawingml/2006/main" xmlns:r="http://schemas.openxmlformats.org/officeDocument/2006/relationships" xmlns:p="http://schemas.openxmlformats.org/presentationml/2006/main">
+  <p:cSld>
+    <p:spTree>
+      <p:nvGrpSpPr>
+        <p:cNvPr id="1" name=""/>
+        <p:cNvGrpSpPr/>
+        <p:nvPr/>
+      </p:nvGrpSpPr>
+      <p:grpSpPr>
+        <a:xfrm>
+          <a:off x="0" y="0"/>
+          <a:ext cx="0" cy="0"/>
+          <a:chOff x="0" y="0"/>
+          <a:chExt cx="0" cy="0"/>
+        </a:xfrm>
+      </p:grpSpPr>
+      <p:sp>
+        <p:nvSpPr>
+          <p:cNvPr id="2" name="Diakép helye 1"/>
+          <p:cNvSpPr>
+            <a:spLocks noGrp="1" noRot="1" noChangeAspect="1"/>
+          </p:cNvSpPr>
+          <p:nvPr>
+            <p:ph type="sldImg"/>
+          </p:nvPr>
+        </p:nvSpPr>
+        <p:spPr/>
+      </p:sp>
+      <p:sp>
+        <p:nvSpPr>
+          <p:cNvPr id="3" name="Jegyzetek helye 2"/>
+          <p:cNvSpPr>
+            <a:spLocks noGrp="1"/>
+          </p:cNvSpPr>
+          <p:nvPr>
+            <p:ph type="body" idx="1"/>
+          </p:nvPr>
+        </p:nvSpPr>
+        <p:spPr/>
+        <p:txBody>
+          <a:bodyPr/>
+          <a:lstStyle/>
+          <a:p>
+            <a:r>
+              <a:rPr lang="hu-HU" dirty="0"/>
+              <a:t>…a legnagyobb</a:t>
+            </a:r>
+            <a:r>
+              <a:rPr lang="hu-HU" baseline="0" dirty="0"/>
+              <a:t> nehézségeimnél szeretnék inkább beszélni. Ehhez a feladathoz szorosan kapcsolódik egy másik probléma, a Rich-text kérdésszöveg. </a:t>
+            </a:r>
+          </a:p>
+          <a:p>
+            <a:endParaRPr lang="hu-HU" baseline="0" dirty="0"/>
+          </a:p>
+          <a:p>
+            <a:r>
+              <a:rPr lang="hu-HU" baseline="0" dirty="0"/>
+              <a:t>Enyhe fejfájást okozott, hogy rájöjjek, hogy oldjam meg, hogy egy képet ne adatbázisban tároljunk, de mégis a szerveren legyen, valamint a Rich-text szövegszerkesztőbe tudjak rá hivatkozni. Ezeket az apróbb nehézségeket végül Farkas László segítségével hamar megoldottuk, a fájlok a szerveren találhatóak, és egy linkkel el is érhetőek feltöltés után, amit az oldal meg is oszt velünk. Ezek a linkek immár szabadon használhatóak a kérdés szövegének módosításakor.</a:t>
+            </a:r>
+            <a:endParaRPr lang="hu-HU" dirty="0"/>
+          </a:p>
+        </p:txBody>
+      </p:sp>
+      <p:sp>
+        <p:nvSpPr>
+          <p:cNvPr id="4" name="Dia számának helye 3"/>
+          <p:cNvSpPr>
+            <a:spLocks noGrp="1"/>
+          </p:cNvSpPr>
+          <p:nvPr>
+            <p:ph type="sldNum" sz="quarter" idx="10"/>
+          </p:nvPr>
+        </p:nvSpPr>
+        <p:spPr/>
+        <p:txBody>
+          <a:bodyPr/>
+          <a:lstStyle/>
+          <a:p>
+            <a:fld id="{3A76D716-6E4E-4415-B8E8-84E3B0BE403E}" type="slidenum">
+              <a:rPr lang="hu-HU" smtClean="0"/>
+              <a:t>5</a:t>
+            </a:fld>
+            <a:endParaRPr lang="hu-HU"/>
+          </a:p>
+        </p:txBody>
+      </p:sp>
+    </p:spTree>
+    <p:extLst>
+      <p:ext uri="{BB962C8B-B14F-4D97-AF65-F5344CB8AC3E}">
+        <p14:creationId xmlns:p14="http://schemas.microsoft.com/office/powerpoint/2010/main" val="3865884303"/>
+      </p:ext>
+    </p:extLst>
+  </p:cSld>
+  <p:clrMapOvr>
+    <a:masterClrMapping/>
+  </p:clrMapOvr>
+</p:notes>
+</file>
+
+<file path=ppt/notesSlides/notesSlide5.xml><?xml version="1.0" encoding="utf-8"?>
+<p:notes xmlns:a="http://schemas.openxmlformats.org/drawingml/2006/main" xmlns:r="http://schemas.openxmlformats.org/officeDocument/2006/relationships" xmlns:p="http://schemas.openxmlformats.org/presentationml/2006/main">
+  <p:cSld>
+    <p:spTree>
+      <p:nvGrpSpPr>
+        <p:cNvPr id="1" name=""/>
+        <p:cNvGrpSpPr/>
+        <p:nvPr/>
+      </p:nvGrpSpPr>
+      <p:grpSpPr>
+        <a:xfrm>
+          <a:off x="0" y="0"/>
+          <a:ext cx="0" cy="0"/>
+          <a:chOff x="0" y="0"/>
+          <a:chExt cx="0" cy="0"/>
+        </a:xfrm>
+      </p:grpSpPr>
+      <p:sp>
+        <p:nvSpPr>
+          <p:cNvPr id="2" name="Diakép helye 1"/>
+          <p:cNvSpPr>
+            <a:spLocks noGrp="1" noRot="1" noChangeAspect="1"/>
+          </p:cNvSpPr>
+          <p:nvPr>
+            <p:ph type="sldImg"/>
+          </p:nvPr>
+        </p:nvSpPr>
+        <p:spPr/>
+      </p:sp>
+      <p:sp>
+        <p:nvSpPr>
+          <p:cNvPr id="3" name="Jegyzetek helye 2"/>
+          <p:cNvSpPr>
+            <a:spLocks noGrp="1"/>
+          </p:cNvSpPr>
+          <p:nvPr>
+            <p:ph type="body" idx="1"/>
+          </p:nvPr>
+        </p:nvSpPr>
+        <p:spPr/>
+        <p:txBody>
+          <a:bodyPr/>
+          <a:lstStyle/>
+          <a:p>
+            <a:r>
+              <a:rPr lang="hu-HU" dirty="0"/>
+              <a:t>Személyes tapasztalataim a képzéssel kapcsolatban...</a:t>
+            </a:r>
+            <a:endParaRPr lang="hu-HU" baseline="0" dirty="0"/>
+          </a:p>
+          <a:p>
+            <a:r>
+              <a:rPr lang="hu-HU" baseline="0" dirty="0"/>
+              <a:t>Másodévesként jelentkezve, a képzés elején szerencsére nem voltak nehézségeim, mivel a Java alapokkal tisztában voltam, valamint egyetemi pályafutásom során sokszor találkoztam a GIT-tel és </a:t>
+            </a:r>
+            <a:r>
+              <a:rPr lang="hu-HU" baseline="0" dirty="0" err="1"/>
+              <a:t>Maven-nel</a:t>
+            </a:r>
+            <a:r>
+              <a:rPr lang="hu-HU" baseline="0" dirty="0"/>
+              <a:t>, ami rendkívül megkönnyítette a korábbi elméleti órákat, valamint a kiadott feladatok megoldását. Később az új technológiák megismerése már kisebb fejfájást okozott, de a projekt során való folyamatos alkalmazásuk után már tisztábban látom a dolgokat. Úgy érzem, rengeteget bővült a tudásom ezen új technológiák megismerésével, és bátrabban merném őket alkalmazni a továbbiakban.</a:t>
+            </a:r>
+          </a:p>
+          <a:p>
+            <a:endParaRPr lang="hu-HU" baseline="0" dirty="0"/>
+          </a:p>
+          <a:p>
+            <a:r>
+              <a:rPr lang="hu-HU" baseline="0" dirty="0"/>
+              <a:t>A képzés még megajándékozott az első komolyabb csapatmunkámmal, ami igazi kihívások elé tudott állítani. Pár feladatnak sikerült fejfájást okoznia, de nem volt olyan probléma, amit egyedül, vagy netán segítséggel ne tudtam volna leküzdeni.</a:t>
+            </a:r>
+          </a:p>
+          <a:p>
+            <a:endParaRPr lang="hu-HU" baseline="0" dirty="0"/>
+          </a:p>
+          <a:p>
+            <a:r>
+              <a:rPr lang="hu-HU" baseline="0" dirty="0"/>
+              <a:t>Már most úgy érzem, hogy sikerül kamatoztatni a megszerzett tudásom, hisz a félév végére több beadandó programot is kell írnom, és az itt megszerzett tudás hatalmas mankó a beadandóm jól-szervezettségében és kódminőségében.</a:t>
+            </a:r>
+          </a:p>
+          <a:p>
+            <a:endParaRPr lang="hu-HU" baseline="0" dirty="0"/>
+          </a:p>
+          <a:p>
+            <a:r>
+              <a:rPr lang="hu-HU" baseline="0" dirty="0"/>
+              <a:t>Ezzel zárnám is a beszédemet, köszönöm </a:t>
+            </a:r>
+            <a:r>
+              <a:rPr lang="hu-HU" baseline="0"/>
+              <a:t>a figyelmet!</a:t>
+            </a:r>
+            <a:endParaRPr lang="hu-HU" baseline="0" dirty="0"/>
+          </a:p>
+        </p:txBody>
+      </p:sp>
+      <p:sp>
+        <p:nvSpPr>
+          <p:cNvPr id="4" name="Dia számának helye 3"/>
+          <p:cNvSpPr>
+            <a:spLocks noGrp="1"/>
+          </p:cNvSpPr>
+          <p:nvPr>
+            <p:ph type="sldNum" sz="quarter" idx="10"/>
+          </p:nvPr>
+        </p:nvSpPr>
+        <p:spPr/>
+        <p:txBody>
+          <a:bodyPr/>
+          <a:lstStyle/>
+          <a:p>
+            <a:fld id="{3A76D716-6E4E-4415-B8E8-84E3B0BE403E}" type="slidenum">
+              <a:rPr lang="hu-HU" smtClean="0"/>
+              <a:t>6</a:t>
+            </a:fld>
+            <a:endParaRPr lang="hu-HU"/>
+          </a:p>
+        </p:txBody>
+      </p:sp>
+    </p:spTree>
+    <p:extLst>
+      <p:ext uri="{BB962C8B-B14F-4D97-AF65-F5344CB8AC3E}">
+        <p14:creationId xmlns:p14="http://schemas.microsoft.com/office/powerpoint/2010/main" val="3708166047"/>
+      </p:ext>
+    </p:extLst>
+  </p:cSld>
+  <p:clrMapOvr>
+    <a:masterClrMapping/>
+  </p:clrMapOvr>
+</p:notes>
+</file>
+
 <file path=ppt/slideLayouts/slideLayout1.xml><?xml version="1.0" encoding="utf-8"?>
 <p:sldLayout xmlns:a="http://schemas.openxmlformats.org/drawingml/2006/main" xmlns:r="http://schemas.openxmlformats.org/officeDocument/2006/relationships" xmlns:p="http://schemas.openxmlformats.org/presentationml/2006/main" type="title" preserve="1">
   <p:cSld name="Címdia">
@@ -260,7 +1190,7 @@
           <a:p>
             <a:fld id="{C6E8B002-83F0-41C5-A7B7-2819A96BD9B2}" type="datetimeFigureOut">
               <a:rPr lang="hu-HU" smtClean="0"/>
-              <a:t>2016.05.17.</a:t>
+              <a:t>2016.05.20.</a:t>
             </a:fld>
             <a:endParaRPr lang="hu-HU"/>
           </a:p>
@@ -430,7 +1360,7 @@
           <a:p>
             <a:fld id="{C6E8B002-83F0-41C5-A7B7-2819A96BD9B2}" type="datetimeFigureOut">
               <a:rPr lang="hu-HU" smtClean="0"/>
-              <a:t>2016.05.17.</a:t>
+              <a:t>2016.05.20.</a:t>
             </a:fld>
             <a:endParaRPr lang="hu-HU"/>
           </a:p>
@@ -610,7 +1540,7 @@
           <a:p>
             <a:fld id="{C6E8B002-83F0-41C5-A7B7-2819A96BD9B2}" type="datetimeFigureOut">
               <a:rPr lang="hu-HU" smtClean="0"/>
-              <a:t>2016.05.17.</a:t>
+              <a:t>2016.05.20.</a:t>
             </a:fld>
             <a:endParaRPr lang="hu-HU"/>
           </a:p>
@@ -780,7 +1710,7 @@
           <a:p>
             <a:fld id="{C6E8B002-83F0-41C5-A7B7-2819A96BD9B2}" type="datetimeFigureOut">
               <a:rPr lang="hu-HU" smtClean="0"/>
-              <a:t>2016.05.17.</a:t>
+              <a:t>2016.05.20.</a:t>
             </a:fld>
             <a:endParaRPr lang="hu-HU"/>
           </a:p>
@@ -1024,7 +1954,7 @@
           <a:p>
             <a:fld id="{C6E8B002-83F0-41C5-A7B7-2819A96BD9B2}" type="datetimeFigureOut">
               <a:rPr lang="hu-HU" smtClean="0"/>
-              <a:t>2016.05.17.</a:t>
+              <a:t>2016.05.20.</a:t>
             </a:fld>
             <a:endParaRPr lang="hu-HU"/>
           </a:p>
@@ -1256,7 +2186,7 @@
           <a:p>
             <a:fld id="{C6E8B002-83F0-41C5-A7B7-2819A96BD9B2}" type="datetimeFigureOut">
               <a:rPr lang="hu-HU" smtClean="0"/>
-              <a:t>2016.05.17.</a:t>
+              <a:t>2016.05.20.</a:t>
             </a:fld>
             <a:endParaRPr lang="hu-HU"/>
           </a:p>
@@ -1623,7 +2553,7 @@
           <a:p>
             <a:fld id="{C6E8B002-83F0-41C5-A7B7-2819A96BD9B2}" type="datetimeFigureOut">
               <a:rPr lang="hu-HU" smtClean="0"/>
-              <a:t>2016.05.17.</a:t>
+              <a:t>2016.05.20.</a:t>
             </a:fld>
             <a:endParaRPr lang="hu-HU"/>
           </a:p>
@@ -1741,7 +2671,7 @@
           <a:p>
             <a:fld id="{C6E8B002-83F0-41C5-A7B7-2819A96BD9B2}" type="datetimeFigureOut">
               <a:rPr lang="hu-HU" smtClean="0"/>
-              <a:t>2016.05.17.</a:t>
+              <a:t>2016.05.20.</a:t>
             </a:fld>
             <a:endParaRPr lang="hu-HU"/>
           </a:p>
@@ -1836,7 +2766,7 @@
           <a:p>
             <a:fld id="{C6E8B002-83F0-41C5-A7B7-2819A96BD9B2}" type="datetimeFigureOut">
               <a:rPr lang="hu-HU" smtClean="0"/>
-              <a:t>2016.05.17.</a:t>
+              <a:t>2016.05.20.</a:t>
             </a:fld>
             <a:endParaRPr lang="hu-HU"/>
           </a:p>
@@ -2113,7 +3043,7 @@
           <a:p>
             <a:fld id="{C6E8B002-83F0-41C5-A7B7-2819A96BD9B2}" type="datetimeFigureOut">
               <a:rPr lang="hu-HU" smtClean="0"/>
-              <a:t>2016.05.17.</a:t>
+              <a:t>2016.05.20.</a:t>
             </a:fld>
             <a:endParaRPr lang="hu-HU"/>
           </a:p>
@@ -2370,7 +3300,7 @@
           <a:p>
             <a:fld id="{C6E8B002-83F0-41C5-A7B7-2819A96BD9B2}" type="datetimeFigureOut">
               <a:rPr lang="hu-HU" smtClean="0"/>
-              <a:t>2016.05.17.</a:t>
+              <a:t>2016.05.20.</a:t>
             </a:fld>
             <a:endParaRPr lang="hu-HU"/>
           </a:p>
@@ -2590,7 +3520,7 @@
           <a:p>
             <a:fld id="{C6E8B002-83F0-41C5-A7B7-2819A96BD9B2}" type="datetimeFigureOut">
               <a:rPr lang="hu-HU" smtClean="0"/>
-              <a:t>2016.05.17.</a:t>
+              <a:t>2016.05.20.</a:t>
             </a:fld>
             <a:endParaRPr lang="hu-HU"/>
           </a:p>
@@ -3430,7 +4360,7 @@
           <p:nvPr/>
         </p:nvPicPr>
         <p:blipFill>
-          <a:blip r:embed="rId2" cstate="print">
+          <a:blip r:embed="rId3" cstate="print">
             <a:extLst>
               <a:ext uri="{28A0092B-C50C-407E-A947-70E740481C1C}">
                 <a14:useLocalDpi xmlns:a14="http://schemas.microsoft.com/office/drawing/2010/main" val="0"/>
@@ -3726,7 +4656,7 @@
             </a:pPr>
             <a:r>
               <a:rPr lang="hu-HU" sz="2400" dirty="0"/>
-              <a:t>Rich-text kérdésszöveg</a:t>
+              <a:t>Képek feltöltése</a:t>
             </a:r>
           </a:p>
           <a:p>
@@ -3736,7 +4666,7 @@
             </a:pPr>
             <a:r>
               <a:rPr lang="hu-HU" sz="2400" dirty="0"/>
-              <a:t>Képek feltöltése</a:t>
+              <a:t>Rich-text kérdésszöveg</a:t>
             </a:r>
           </a:p>
         </p:txBody>
@@ -3750,7 +4680,7 @@
           <p:nvPr/>
         </p:nvPicPr>
         <p:blipFill>
-          <a:blip r:embed="rId2">
+          <a:blip r:embed="rId3">
             <a:extLst>
               <a:ext uri="{28A0092B-C50C-407E-A947-70E740481C1C}">
                 <a14:useLocalDpi xmlns:a14="http://schemas.microsoft.com/office/drawing/2010/main" val="0"/>
@@ -4460,4 +5390,299 @@
     </a:ext>
   </a:extLst>
 </a:theme>
+</file>
+
+<file path=ppt/theme/theme2.xml><?xml version="1.0" encoding="utf-8"?>
+<a:theme xmlns:a="http://schemas.openxmlformats.org/drawingml/2006/main" name="Office-téma">
+  <a:themeElements>
+    <a:clrScheme name="Office">
+      <a:dk1>
+        <a:sysClr val="windowText" lastClr="000000"/>
+      </a:dk1>
+      <a:lt1>
+        <a:sysClr val="window" lastClr="FFFFFF"/>
+      </a:lt1>
+      <a:dk2>
+        <a:srgbClr val="44546A"/>
+      </a:dk2>
+      <a:lt2>
+        <a:srgbClr val="E7E6E6"/>
+      </a:lt2>
+      <a:accent1>
+        <a:srgbClr val="5B9BD5"/>
+      </a:accent1>
+      <a:accent2>
+        <a:srgbClr val="ED7D31"/>
+      </a:accent2>
+      <a:accent3>
+        <a:srgbClr val="A5A5A5"/>
+      </a:accent3>
+      <a:accent4>
+        <a:srgbClr val="FFC000"/>
+      </a:accent4>
+      <a:accent5>
+        <a:srgbClr val="4472C4"/>
+      </a:accent5>
+      <a:accent6>
+        <a:srgbClr val="70AD47"/>
+      </a:accent6>
+      <a:hlink>
+        <a:srgbClr val="0563C1"/>
+      </a:hlink>
+      <a:folHlink>
+        <a:srgbClr val="954F72"/>
+      </a:folHlink>
+    </a:clrScheme>
+    <a:fontScheme name="Office">
+      <a:majorFont>
+        <a:latin typeface="Calibri Light" panose="020F0302020204030204"/>
+        <a:ea typeface=""/>
+        <a:cs typeface=""/>
+        <a:font script="Jpan" typeface="游ゴシック Light"/>
+        <a:font script="Hang" typeface="맑은 고딕"/>
+        <a:font script="Hans" typeface="等线 Light"/>
+        <a:font script="Hant" typeface="新細明體"/>
+        <a:font script="Arab" typeface="Times New Roman"/>
+        <a:font script="Hebr" typeface="Times New Roman"/>
+        <a:font script="Thai" typeface="Angsana New"/>
+        <a:font script="Ethi" typeface="Nyala"/>
+        <a:font script="Beng" typeface="Vrinda"/>
+        <a:font script="Gujr" typeface="Shruti"/>
+        <a:font script="Khmr" typeface="MoolBoran"/>
+        <a:font script="Knda" typeface="Tunga"/>
+        <a:font script="Guru" typeface="Raavi"/>
+        <a:font script="Cans" typeface="Euphemia"/>
+        <a:font script="Cher" typeface="Plantagenet Cherokee"/>
+        <a:font script="Yiii" typeface="Microsoft Yi Baiti"/>
+        <a:font script="Tibt" typeface="Microsoft Himalaya"/>
+        <a:font script="Thaa" typeface="MV Boli"/>
+        <a:font script="Deva" typeface="Mangal"/>
+        <a:font script="Telu" typeface="Gautami"/>
+        <a:font script="Taml" typeface="Latha"/>
+        <a:font script="Syrc" typeface="Estrangelo Edessa"/>
+        <a:font script="Orya" typeface="Kalinga"/>
+        <a:font script="Mlym" typeface="Kartika"/>
+        <a:font script="Laoo" typeface="DokChampa"/>
+        <a:font script="Sinh" typeface="Iskoola Pota"/>
+        <a:font script="Mong" typeface="Mongolian Baiti"/>
+        <a:font script="Viet" typeface="Times New Roman"/>
+        <a:font script="Uigh" typeface="Microsoft Uighur"/>
+        <a:font script="Geor" typeface="Sylfaen"/>
+        <a:font script="Armn" typeface="Arial"/>
+        <a:font script="Bugi" typeface="Leelawadee UI"/>
+        <a:font script="Bopo" typeface="Microsoft JhengHei"/>
+        <a:font script="Java" typeface="Javanese Text"/>
+        <a:font script="Lisu" typeface="Segoe UI"/>
+        <a:font script="Mymr" typeface="Myanmar Text"/>
+        <a:font script="Nkoo" typeface="Ebrima"/>
+        <a:font script="Olck" typeface="Nirmala UI"/>
+        <a:font script="Osma" typeface="Ebrima"/>
+        <a:font script="Phag" typeface="Phagspa"/>
+        <a:font script="Syrn" typeface="Estrangelo Edessa"/>
+        <a:font script="Syrj" typeface="Estrangelo Edessa"/>
+        <a:font script="Syre" typeface="Estrangelo Edessa"/>
+        <a:font script="Sora" typeface="Nirmala UI"/>
+        <a:font script="Tale" typeface="Microsoft Tai Le"/>
+        <a:font script="Talu" typeface="Microsoft New Tai Lue"/>
+        <a:font script="Tfng" typeface="Ebrima"/>
+      </a:majorFont>
+      <a:minorFont>
+        <a:latin typeface="Calibri" panose="020F0502020204030204"/>
+        <a:ea typeface=""/>
+        <a:cs typeface=""/>
+        <a:font script="Jpan" typeface="游ゴシック"/>
+        <a:font script="Hang" typeface="맑은 고딕"/>
+        <a:font script="Hans" typeface="等线"/>
+        <a:font script="Hant" typeface="新細明體"/>
+        <a:font script="Arab" typeface="Arial"/>
+        <a:font script="Hebr" typeface="Arial"/>
+        <a:font script="Thai" typeface="Cordia New"/>
+        <a:font script="Ethi" typeface="Nyala"/>
+        <a:font script="Beng" typeface="Vrinda"/>
+        <a:font script="Gujr" typeface="Shruti"/>
+        <a:font script="Khmr" typeface="DaunPenh"/>
+        <a:font script="Knda" typeface="Tunga"/>
+        <a:font script="Guru" typeface="Raavi"/>
+        <a:font script="Cans" typeface="Euphemia"/>
+        <a:font script="Cher" typeface="Plantagenet Cherokee"/>
+        <a:font script="Yiii" typeface="Microsoft Yi Baiti"/>
+        <a:font script="Tibt" typeface="Microsoft Himalaya"/>
+        <a:font script="Thaa" typeface="MV Boli"/>
+        <a:font script="Deva" typeface="Mangal"/>
+        <a:font script="Telu" typeface="Gautami"/>
+        <a:font script="Taml" typeface="Latha"/>
+        <a:font script="Syrc" typeface="Estrangelo Edessa"/>
+        <a:font script="Orya" typeface="Kalinga"/>
+        <a:font script="Mlym" typeface="Kartika"/>
+        <a:font script="Laoo" typeface="DokChampa"/>
+        <a:font script="Sinh" typeface="Iskoola Pota"/>
+        <a:font script="Mong" typeface="Mongolian Baiti"/>
+        <a:font script="Viet" typeface="Arial"/>
+        <a:font script="Uigh" typeface="Microsoft Uighur"/>
+        <a:font script="Geor" typeface="Sylfaen"/>
+        <a:font script="Armn" typeface="Arial"/>
+        <a:font script="Bugi" typeface="Leelawadee UI"/>
+        <a:font script="Bopo" typeface="Microsoft JhengHei"/>
+        <a:font script="Java" typeface="Javanese Text"/>
+        <a:font script="Lisu" typeface="Segoe UI"/>
+        <a:font script="Mymr" typeface="Myanmar Text"/>
+        <a:font script="Nkoo" typeface="Ebrima"/>
+        <a:font script="Olck" typeface="Nirmala UI"/>
+        <a:font script="Osma" typeface="Ebrima"/>
+        <a:font script="Phag" typeface="Phagspa"/>
+        <a:font script="Syrn" typeface="Estrangelo Edessa"/>
+        <a:font script="Syrj" typeface="Estrangelo Edessa"/>
+        <a:font script="Syre" typeface="Estrangelo Edessa"/>
+        <a:font script="Sora" typeface="Nirmala UI"/>
+        <a:font script="Tale" typeface="Microsoft Tai Le"/>
+        <a:font script="Talu" typeface="Microsoft New Tai Lue"/>
+        <a:font script="Tfng" typeface="Ebrima"/>
+      </a:minorFont>
+    </a:fontScheme>
+    <a:fmtScheme name="Office">
+      <a:fillStyleLst>
+        <a:solidFill>
+          <a:schemeClr val="phClr"/>
+        </a:solidFill>
+        <a:gradFill rotWithShape="1">
+          <a:gsLst>
+            <a:gs pos="0">
+              <a:schemeClr val="phClr">
+                <a:lumMod val="110000"/>
+                <a:satMod val="105000"/>
+                <a:tint val="67000"/>
+              </a:schemeClr>
+            </a:gs>
+            <a:gs pos="50000">
+              <a:schemeClr val="phClr">
+                <a:lumMod val="105000"/>
+                <a:satMod val="103000"/>
+                <a:tint val="73000"/>
+              </a:schemeClr>
+            </a:gs>
+            <a:gs pos="100000">
+              <a:schemeClr val="phClr">
+                <a:lumMod val="105000"/>
+                <a:satMod val="109000"/>
+                <a:tint val="81000"/>
+              </a:schemeClr>
+            </a:gs>
+          </a:gsLst>
+          <a:lin ang="5400000" scaled="0"/>
+        </a:gradFill>
+        <a:gradFill rotWithShape="1">
+          <a:gsLst>
+            <a:gs pos="0">
+              <a:schemeClr val="phClr">
+                <a:satMod val="103000"/>
+                <a:lumMod val="102000"/>
+                <a:tint val="94000"/>
+              </a:schemeClr>
+            </a:gs>
+            <a:gs pos="50000">
+              <a:schemeClr val="phClr">
+                <a:satMod val="110000"/>
+                <a:lumMod val="100000"/>
+                <a:shade val="100000"/>
+              </a:schemeClr>
+            </a:gs>
+            <a:gs pos="100000">
+              <a:schemeClr val="phClr">
+                <a:lumMod val="99000"/>
+                <a:satMod val="120000"/>
+                <a:shade val="78000"/>
+              </a:schemeClr>
+            </a:gs>
+          </a:gsLst>
+          <a:lin ang="5400000" scaled="0"/>
+        </a:gradFill>
+      </a:fillStyleLst>
+      <a:lnStyleLst>
+        <a:ln w="6350" cap="flat" cmpd="sng" algn="ctr">
+          <a:solidFill>
+            <a:schemeClr val="phClr"/>
+          </a:solidFill>
+          <a:prstDash val="solid"/>
+          <a:miter lim="800000"/>
+        </a:ln>
+        <a:ln w="12700" cap="flat" cmpd="sng" algn="ctr">
+          <a:solidFill>
+            <a:schemeClr val="phClr"/>
+          </a:solidFill>
+          <a:prstDash val="solid"/>
+          <a:miter lim="800000"/>
+        </a:ln>
+        <a:ln w="19050" cap="flat" cmpd="sng" algn="ctr">
+          <a:solidFill>
+            <a:schemeClr val="phClr"/>
+          </a:solidFill>
+          <a:prstDash val="solid"/>
+          <a:miter lim="800000"/>
+        </a:ln>
+      </a:lnStyleLst>
+      <a:effectStyleLst>
+        <a:effectStyle>
+          <a:effectLst/>
+        </a:effectStyle>
+        <a:effectStyle>
+          <a:effectLst/>
+        </a:effectStyle>
+        <a:effectStyle>
+          <a:effectLst>
+            <a:outerShdw blurRad="57150" dist="19050" dir="5400000" algn="ctr" rotWithShape="0">
+              <a:srgbClr val="000000">
+                <a:alpha val="63000"/>
+              </a:srgbClr>
+            </a:outerShdw>
+          </a:effectLst>
+        </a:effectStyle>
+      </a:effectStyleLst>
+      <a:bgFillStyleLst>
+        <a:solidFill>
+          <a:schemeClr val="phClr"/>
+        </a:solidFill>
+        <a:solidFill>
+          <a:schemeClr val="phClr">
+            <a:tint val="95000"/>
+            <a:satMod val="170000"/>
+          </a:schemeClr>
+        </a:solidFill>
+        <a:gradFill rotWithShape="1">
+          <a:gsLst>
+            <a:gs pos="0">
+              <a:schemeClr val="phClr">
+                <a:tint val="93000"/>
+                <a:satMod val="150000"/>
+                <a:shade val="98000"/>
+                <a:lumMod val="102000"/>
+              </a:schemeClr>
+            </a:gs>
+            <a:gs pos="50000">
+              <a:schemeClr val="phClr">
+                <a:tint val="98000"/>
+                <a:satMod val="130000"/>
+                <a:shade val="90000"/>
+                <a:lumMod val="103000"/>
+              </a:schemeClr>
+            </a:gs>
+            <a:gs pos="100000">
+              <a:schemeClr val="phClr">
+                <a:shade val="63000"/>
+                <a:satMod val="120000"/>
+              </a:schemeClr>
+            </a:gs>
+          </a:gsLst>
+          <a:lin ang="5400000" scaled="0"/>
+        </a:gradFill>
+      </a:bgFillStyleLst>
+    </a:fmtScheme>
+  </a:themeElements>
+  <a:objectDefaults/>
+  <a:extraClrSchemeLst/>
+  <a:extLst>
+    <a:ext uri="{05A4C25C-085E-4340-85A3-A5531E510DB2}">
+      <thm15:themeFamily xmlns:thm15="http://schemas.microsoft.com/office/thememl/2012/main" name="Office Theme" id="{62F939B6-93AF-4DB8-9C6B-D6C7DFDC589F}" vid="{4A3C46E8-61CC-4603-A589-7422A47A8E4A}"/>
+    </a:ext>
+  </a:extLst>
+</a:theme>
 </file>
--- a/feketeattila/feketeattilajavaee.pptx
+++ b/feketeattila/feketeattilajavaee.pptx
@@ -5,16 +5,17 @@
     <p:sldMasterId id="2147483660" r:id="rId1"/>
   </p:sldMasterIdLst>
   <p:notesMasterIdLst>
-    <p:notesMasterId r:id="rId9"/>
+    <p:notesMasterId r:id="rId10"/>
   </p:notesMasterIdLst>
   <p:sldIdLst>
     <p:sldId id="257" r:id="rId2"/>
     <p:sldId id="256" r:id="rId3"/>
     <p:sldId id="259" r:id="rId4"/>
     <p:sldId id="260" r:id="rId5"/>
-    <p:sldId id="261" r:id="rId6"/>
-    <p:sldId id="262" r:id="rId7"/>
-    <p:sldId id="258" r:id="rId8"/>
+    <p:sldId id="264" r:id="rId6"/>
+    <p:sldId id="263" r:id="rId7"/>
+    <p:sldId id="262" r:id="rId8"/>
+    <p:sldId id="258" r:id="rId9"/>
   </p:sldIdLst>
   <p:sldSz cx="9144000" cy="5143500" type="screen16x9"/>
   <p:notesSz cx="6858000" cy="9144000"/>
@@ -214,7 +215,7 @@
           <a:p>
             <a:fld id="{D2CAC537-1148-4D9D-B1D4-4876C6D7A9B8}" type="datetimeFigureOut">
               <a:rPr lang="hu-HU" smtClean="0"/>
-              <a:t>2016.05.20.</a:t>
+              <a:t>2016.05.23.</a:t>
             </a:fld>
             <a:endParaRPr lang="hu-HU"/>
           </a:p>
@@ -309,7 +310,6 @@
               <a:rPr lang="hu-HU"/>
               <a:t>Ötödik szint</a:t>
             </a:r>
-            <a:endParaRPr lang="hu-HU"/>
           </a:p>
         </p:txBody>
       </p:sp>
@@ -532,7 +532,7 @@
             </a:r>
             <a:r>
               <a:rPr lang="hu-HU" baseline="0" dirty="0"/>
-              <a:t> ezen a bemutatón, Fekete Attila vagyok, a Debreceni Egyetem harmadéves Programtervező Informatikus hallgatója, valamint a Teszt-modul egyik fejlesztője.</a:t>
+              <a:t> ezen a bemutatón, Fekete Attila vagyok, a Debreceni Egyetem harmadéves Programtervező Informatikus hallgatója, röviden annyit magamról, hogy a Teszt-modul egyik fejlesztője vagyok, és a bemutatón én képviselem elsőként modulunkat.</a:t>
             </a:r>
             <a:endParaRPr lang="hu-HU" dirty="0"/>
           </a:p>
@@ -744,46 +744,75 @@
           <a:bodyPr/>
           <a:lstStyle/>
           <a:p>
+            <a:pPr marL="0" indent="0">
+              <a:buNone/>
+            </a:pPr>
+            <a:r>
+              <a:rPr lang="hu-HU" baseline="0" dirty="0"/>
+              <a:t>Modulunk a tesztek létrehozása, módosítása és kiírása köré épül.</a:t>
+            </a:r>
+          </a:p>
+          <a:p>
+            <a:pPr marL="0" indent="0">
+              <a:buNone/>
+            </a:pPr>
+            <a:endParaRPr lang="hu-HU" baseline="0" dirty="0"/>
+          </a:p>
+          <a:p>
+            <a:pPr marL="0" indent="0">
+              <a:buNone/>
+            </a:pPr>
+            <a:r>
+              <a:rPr lang="hu-HU" baseline="0" dirty="0"/>
+              <a:t>Egy teszt életciklusa a következő fázisokból áll:</a:t>
+            </a:r>
+          </a:p>
+          <a:p>
+            <a:pPr marL="0" indent="0">
+              <a:buNone/>
+            </a:pPr>
+            <a:r>
+              <a:rPr lang="hu-HU" baseline="0" dirty="0"/>
+              <a:t>Egy oktató létrehoz egy tesztet, benne kérdéseket, esetleg válaszlehetőségeket is.</a:t>
+            </a:r>
+          </a:p>
+          <a:p>
+            <a:pPr marL="0" indent="0">
+              <a:buNone/>
+            </a:pPr>
             <a:r>
               <a:rPr lang="hu-HU" dirty="0"/>
-              <a:t>Itt meg is említenék</a:t>
+              <a:t>A</a:t>
             </a:r>
             <a:r>
               <a:rPr lang="hu-HU" baseline="0" dirty="0"/>
-              <a:t> pár általam megoldott, nagyobb kaliberű feladatod:</a:t>
-            </a:r>
-          </a:p>
-          <a:p>
-            <a:endParaRPr lang="hu-HU" baseline="0" dirty="0"/>
-          </a:p>
-          <a:p>
+              <a:t> diákok ezt egy oktató által kijelölt időpontban kitölthetik, akár otthonról is hogyha nem tudnak megjelenni élőben.</a:t>
+            </a:r>
+          </a:p>
+          <a:p>
+            <a:pPr marL="0" indent="0">
+              <a:buNone/>
+            </a:pPr>
             <a:r>
               <a:rPr lang="hu-HU" baseline="0" dirty="0"/>
-              <a:t>Időm egy elég nagy részét a Többválaszos kérdések létrehozása, módosítása okozta. Három kérdéstípusunk van: Amire csak egy jó válasz van, amire több jó válasz is lehet, és amire a diáknak szövegesen kell válaszolni.</a:t>
-            </a:r>
-          </a:p>
-          <a:p>
+              <a:t>A teszt kitöltés után automatikus kiértékelésre kerül, de a szöveges válaszokat az oktatóval kell elfogadtatni kézzel.</a:t>
+            </a:r>
+          </a:p>
+          <a:p>
+            <a:pPr marL="0" indent="0">
+              <a:buNone/>
+            </a:pPr>
             <a:r>
               <a:rPr lang="hu-HU" baseline="0" dirty="0"/>
-              <a:t>Nem is a feladat nehézsége okozott kihívást, hanem a rengeteg megoldáslehetőség miatt. Ki kellett találnunk egy olyan megoldást, ami az összes többi kérdéstípusnál is alkalmazható, apró módosításokkal. Ezt a megoldást viszonylag hamar sikerült is megtalálnom, és ezen az úton el is tudtunk indulni.</a:t>
-            </a:r>
-          </a:p>
-          <a:p>
-            <a:endParaRPr lang="hu-HU" baseline="0" dirty="0"/>
-          </a:p>
-          <a:p>
+              <a:t>Egy felületen </a:t>
+            </a:r>
+            <a:r>
+              <a:rPr lang="hu-HU" baseline="0" dirty="0" err="1"/>
+              <a:t>megtekinthetőek</a:t>
+            </a:r>
             <a:r>
               <a:rPr lang="hu-HU" baseline="0" dirty="0"/>
-              <a:t>Egy másik feladatom a Teszt javítása. Teszt javítására csak az olyan tesztek esetén van szükség, amelyek tartalmaznak szöveges választ igénylő kérdéseket, ugyanis a többi kérdést a rendszer a teszt benyújtása után automatikusan kiértékeli, ám a szöveges válaszoknál tanár általi elfogadásra van szükség. A feladat nem okozott túl nagy fejfájást, de úgy érzem itt említést érdemel.</a:t>
-            </a:r>
-          </a:p>
-          <a:p>
-            <a:endParaRPr lang="hu-HU" baseline="0" dirty="0"/>
-          </a:p>
-          <a:p>
-            <a:r>
-              <a:rPr lang="hu-HU" baseline="0" dirty="0"/>
-              <a:t>Végül meg szeretném említeni a Képfeltöltést, ami szintén a megoldási lehetőségek miatt volt érdekes megoldani. Erről a kihívásról… [DIÁT VÁLT]</a:t>
+              <a:t> a kérdések, és a rá adott válaszok helyessége, valamint az elért pontszám.</a:t>
             </a:r>
           </a:p>
         </p:txBody>
@@ -870,11 +899,11 @@
           <a:p>
             <a:r>
               <a:rPr lang="hu-HU" dirty="0"/>
-              <a:t>…a legnagyobb</a:t>
+              <a:t>Megemlítenék</a:t>
             </a:r>
             <a:r>
               <a:rPr lang="hu-HU" baseline="0" dirty="0"/>
-              <a:t> nehézségeimnél szeretnék inkább beszélni. Ehhez a feladathoz szorosan kapcsolódik egy másik probléma, a Rich-text kérdésszöveg. </a:t>
+              <a:t> pár általam megoldott, nagyobb kaliberű feladatod:</a:t>
             </a:r>
           </a:p>
           <a:p>
@@ -883,9 +912,32 @@
           <a:p>
             <a:r>
               <a:rPr lang="hu-HU" baseline="0" dirty="0"/>
-              <a:t>Enyhe fejfájást okozott, hogy rájöjjek, hogy oldjam meg, hogy egy képet ne adatbázisban tároljunk, de mégis a szerveren legyen, valamint a Rich-text szövegszerkesztőbe tudjak rá hivatkozni. Ezeket az apróbb nehézségeket végül Farkas László segítségével hamar megoldottuk, a fájlok a szerveren találhatóak, és egy linkkel el is érhetőek feltöltés után, amit az oldal meg is oszt velünk. Ezek a linkek immár szabadon használhatóak a kérdés szövegének módosításakor.</a:t>
-            </a:r>
-            <a:endParaRPr lang="hu-HU" dirty="0"/>
+              <a:t>Időm egy elég nagy részét a Többválaszos kérdések létrehozása, módosítása okozta. Három kérdéstípusunk van: Amire csak egy jó válasz van, amire több jó válasz is lehet, és amire a diáknak szövegesen kell válaszolni.</a:t>
+            </a:r>
+          </a:p>
+          <a:p>
+            <a:r>
+              <a:rPr lang="hu-HU" baseline="0" dirty="0"/>
+              <a:t>Nem is a feladat nehézsége okozott kihívást, hanem a rengeteg megoldáslehetőség miatt. Ki kellett találnunk egy olyan megoldást, ami az összes többi kérdéstípusnál is alkalmazható, apró módosításokkal. Ezt a megoldást viszonylag hamar sikerült is megtalálnom, és ezen az úton el is tudtunk indulni.</a:t>
+            </a:r>
+          </a:p>
+          <a:p>
+            <a:endParaRPr lang="hu-HU" baseline="0" dirty="0"/>
+          </a:p>
+          <a:p>
+            <a:r>
+              <a:rPr lang="hu-HU" baseline="0" dirty="0"/>
+              <a:t>Egy másik feladatom a Teszt javítása. Teszt javítására csak az olyan tesztek esetén van szükség, amelyek tartalmaznak szöveges választ igénylő kérdéseket, ugyanis a többi kérdést a rendszer a teszt benyújtása után automatikusan kiértékeli, ám a szöveges válaszoknál tanár általi elfogadásra van szükség. A feladat nem okozott túl nagy fejfájást, de úgy érzem itt említést érdemel.</a:t>
+            </a:r>
+          </a:p>
+          <a:p>
+            <a:endParaRPr lang="hu-HU" baseline="0" dirty="0"/>
+          </a:p>
+          <a:p>
+            <a:r>
+              <a:rPr lang="hu-HU" baseline="0" dirty="0"/>
+              <a:t>Végül meg szeretném említeni a Képfeltöltést, ami szintén a megoldási lehetőségek miatt volt érdekes megoldani. Erről a kihívásról… [DIÁT VÁLT]</a:t>
+            </a:r>
           </a:p>
         </p:txBody>
       </p:sp>
@@ -915,7 +967,7 @@
     </p:spTree>
     <p:extLst>
       <p:ext uri="{BB962C8B-B14F-4D97-AF65-F5344CB8AC3E}">
-        <p14:creationId xmlns:p14="http://schemas.microsoft.com/office/powerpoint/2010/main" val="3865884303"/>
+        <p14:creationId xmlns:p14="http://schemas.microsoft.com/office/powerpoint/2010/main" val="150744813"/>
       </p:ext>
     </p:extLst>
   </p:cSld>
@@ -971,55 +1023,22 @@
           <a:p>
             <a:r>
               <a:rPr lang="hu-HU" dirty="0"/>
-              <a:t>Személyes tapasztalataim a képzéssel kapcsolatban...</a:t>
-            </a:r>
+              <a:t>…a legnagyobb</a:t>
+            </a:r>
+            <a:r>
+              <a:rPr lang="hu-HU" baseline="0" dirty="0"/>
+              <a:t> nehézségeimnél szeretnék inkább beszélni. Ehhez a feladathoz szorosan kapcsolódik egy másik probléma, a Rich-text kérdésszöveg. </a:t>
+            </a:r>
+          </a:p>
+          <a:p>
             <a:endParaRPr lang="hu-HU" baseline="0" dirty="0"/>
           </a:p>
           <a:p>
             <a:r>
               <a:rPr lang="hu-HU" baseline="0" dirty="0"/>
-              <a:t>Másodévesként jelentkezve, a képzés elején szerencsére nem voltak nehézségeim, mivel a Java alapokkal tisztában voltam, valamint egyetemi pályafutásom során sokszor találkoztam a GIT-tel és </a:t>
-            </a:r>
-            <a:r>
-              <a:rPr lang="hu-HU" baseline="0" dirty="0" err="1"/>
-              <a:t>Maven-nel</a:t>
-            </a:r>
-            <a:r>
-              <a:rPr lang="hu-HU" baseline="0" dirty="0"/>
-              <a:t>, ami rendkívül megkönnyítette a korábbi elméleti órákat, valamint a kiadott feladatok megoldását. Később az új technológiák megismerése már kisebb fejfájást okozott, de a projekt során való folyamatos alkalmazásuk után már tisztábban látom a dolgokat. Úgy érzem, rengeteget bővült a tudásom ezen új technológiák megismerésével, és bátrabban merném őket alkalmazni a továbbiakban.</a:t>
-            </a:r>
-          </a:p>
-          <a:p>
-            <a:endParaRPr lang="hu-HU" baseline="0" dirty="0"/>
-          </a:p>
-          <a:p>
-            <a:r>
-              <a:rPr lang="hu-HU" baseline="0" dirty="0"/>
-              <a:t>A képzés még megajándékozott az első komolyabb csapatmunkámmal, ami igazi kihívások elé tudott állítani. Pár feladatnak sikerült fejfájást okoznia, de nem volt olyan probléma, amit egyedül, vagy netán segítséggel ne tudtam volna leküzdeni.</a:t>
-            </a:r>
-          </a:p>
-          <a:p>
-            <a:endParaRPr lang="hu-HU" baseline="0" dirty="0"/>
-          </a:p>
-          <a:p>
-            <a:r>
-              <a:rPr lang="hu-HU" baseline="0" dirty="0"/>
-              <a:t>Már most úgy érzem, hogy sikerül kamatoztatni a megszerzett tudásom, hisz a félév végére több beadandó programot is kell írnom, és az itt megszerzett tudás hatalmas mankó a beadandóm jól-szervezettségében és kódminőségében.</a:t>
-            </a:r>
-          </a:p>
-          <a:p>
-            <a:endParaRPr lang="hu-HU" baseline="0" dirty="0"/>
-          </a:p>
-          <a:p>
-            <a:r>
-              <a:rPr lang="hu-HU" baseline="0" dirty="0"/>
-              <a:t>Ezzel zárnám is a beszédemet, köszönöm </a:t>
-            </a:r>
-            <a:r>
-              <a:rPr lang="hu-HU" baseline="0"/>
-              <a:t>a figyelmet!</a:t>
-            </a:r>
-            <a:endParaRPr lang="hu-HU" baseline="0" dirty="0"/>
+              <a:t>Enyhe fejfájást okozott, hogy rájöjjek, hogy oldjam meg, hogy egy képet ne adatbázisban tároljunk, de mégis a szerveren legyen, valamint a Rich-text szövegszerkesztőbe tudjak rá hivatkozni. Ezeket az apróbb nehézségeket végül Farkas László segítségével hamar megoldottuk, a fájlok a szerveren találhatóak, és egy linkkel el is érhetőek feltöltés után, amit az oldal meg is oszt velünk. Ezek a linkek immár szabadon használhatóak a kérdés szövegének módosításakor.</a:t>
+            </a:r>
+            <a:endParaRPr lang="hu-HU" dirty="0"/>
           </a:p>
         </p:txBody>
       </p:sp>
@@ -1041,6 +1060,135 @@
             <a:fld id="{3A76D716-6E4E-4415-B8E8-84E3B0BE403E}" type="slidenum">
               <a:rPr lang="hu-HU" smtClean="0"/>
               <a:t>6</a:t>
+            </a:fld>
+            <a:endParaRPr lang="hu-HU"/>
+          </a:p>
+        </p:txBody>
+      </p:sp>
+    </p:spTree>
+    <p:extLst>
+      <p:ext uri="{BB962C8B-B14F-4D97-AF65-F5344CB8AC3E}">
+        <p14:creationId xmlns:p14="http://schemas.microsoft.com/office/powerpoint/2010/main" val="488026462"/>
+      </p:ext>
+    </p:extLst>
+  </p:cSld>
+  <p:clrMapOvr>
+    <a:masterClrMapping/>
+  </p:clrMapOvr>
+</p:notes>
+</file>
+
+<file path=ppt/notesSlides/notesSlide6.xml><?xml version="1.0" encoding="utf-8"?>
+<p:notes xmlns:a="http://schemas.openxmlformats.org/drawingml/2006/main" xmlns:r="http://schemas.openxmlformats.org/officeDocument/2006/relationships" xmlns:p="http://schemas.openxmlformats.org/presentationml/2006/main">
+  <p:cSld>
+    <p:spTree>
+      <p:nvGrpSpPr>
+        <p:cNvPr id="1" name=""/>
+        <p:cNvGrpSpPr/>
+        <p:nvPr/>
+      </p:nvGrpSpPr>
+      <p:grpSpPr>
+        <a:xfrm>
+          <a:off x="0" y="0"/>
+          <a:ext cx="0" cy="0"/>
+          <a:chOff x="0" y="0"/>
+          <a:chExt cx="0" cy="0"/>
+        </a:xfrm>
+      </p:grpSpPr>
+      <p:sp>
+        <p:nvSpPr>
+          <p:cNvPr id="2" name="Diakép helye 1"/>
+          <p:cNvSpPr>
+            <a:spLocks noGrp="1" noRot="1" noChangeAspect="1"/>
+          </p:cNvSpPr>
+          <p:nvPr>
+            <p:ph type="sldImg"/>
+          </p:nvPr>
+        </p:nvSpPr>
+        <p:spPr/>
+      </p:sp>
+      <p:sp>
+        <p:nvSpPr>
+          <p:cNvPr id="3" name="Jegyzetek helye 2"/>
+          <p:cNvSpPr>
+            <a:spLocks noGrp="1"/>
+          </p:cNvSpPr>
+          <p:nvPr>
+            <p:ph type="body" idx="1"/>
+          </p:nvPr>
+        </p:nvSpPr>
+        <p:spPr/>
+        <p:txBody>
+          <a:bodyPr/>
+          <a:lstStyle/>
+          <a:p>
+            <a:r>
+              <a:rPr lang="hu-HU" dirty="0"/>
+              <a:t>Személyes tapasztalataim a képzéssel kapcsolatban...</a:t>
+            </a:r>
+            <a:endParaRPr lang="hu-HU" baseline="0" dirty="0"/>
+          </a:p>
+          <a:p>
+            <a:r>
+              <a:rPr lang="hu-HU" baseline="0" dirty="0"/>
+              <a:t>A képzés elején szerencsére nem voltak nehézségeim, mivel a Java alapokkal tisztában voltam, valamint egyetemi pályafutásom során sokszor találkoztam a GIT-tel és </a:t>
+            </a:r>
+            <a:r>
+              <a:rPr lang="hu-HU" baseline="0" dirty="0" err="1"/>
+              <a:t>Maven-nel</a:t>
+            </a:r>
+            <a:r>
+              <a:rPr lang="hu-HU" baseline="0" dirty="0"/>
+              <a:t>, ami rendkívül megkönnyítette a korábbi elméleti órákat, valamint a kiadott feladatok megoldását. Később az új technológiák megismerése már kisebb fejfájást okozott, de a projekt során való folyamatos alkalmazásuk után már tisztábban látom a dolgokat. Úgy érzem, rengeteget bővült a tudásom ezen új technológiák megismerésével, és bátrabban merném őket alkalmazni a továbbiakban.</a:t>
+            </a:r>
+          </a:p>
+          <a:p>
+            <a:endParaRPr lang="hu-HU" baseline="0" dirty="0"/>
+          </a:p>
+          <a:p>
+            <a:r>
+              <a:rPr lang="hu-HU" baseline="0" dirty="0"/>
+              <a:t>A képzés még megajándékozott az első komolyabb csapatmunkámmal, ami igazi kihívások elé tudott állítani. Pár feladatnak sikerült fejfájást okoznia, de nem volt olyan probléma, amit egyedül, vagy netán segítséggel ne tudtam volna leküzdeni.</a:t>
+            </a:r>
+          </a:p>
+          <a:p>
+            <a:endParaRPr lang="hu-HU" baseline="0" dirty="0"/>
+          </a:p>
+          <a:p>
+            <a:r>
+              <a:rPr lang="hu-HU" baseline="0" dirty="0"/>
+              <a:t>Már most úgy érzem, hogy sikerül kamatoztatni a megszerzett tudásom, hisz a félév végére több beadandó programot is kell írnom, és az itt megszerzett tudás hatalmas mankó a beadandóm jól-szervezettségében és kódminőségében.</a:t>
+            </a:r>
+          </a:p>
+          <a:p>
+            <a:endParaRPr lang="hu-HU" baseline="0" dirty="0"/>
+          </a:p>
+          <a:p>
+            <a:r>
+              <a:rPr lang="hu-HU" baseline="0" dirty="0"/>
+              <a:t>Ezzel zárnám is a beszédemet, köszönöm a figyelmet!</a:t>
+            </a:r>
+          </a:p>
+        </p:txBody>
+      </p:sp>
+      <p:sp>
+        <p:nvSpPr>
+          <p:cNvPr id="4" name="Dia számának helye 3"/>
+          <p:cNvSpPr>
+            <a:spLocks noGrp="1"/>
+          </p:cNvSpPr>
+          <p:nvPr>
+            <p:ph type="sldNum" sz="quarter" idx="10"/>
+          </p:nvPr>
+        </p:nvSpPr>
+        <p:spPr/>
+        <p:txBody>
+          <a:bodyPr/>
+          <a:lstStyle/>
+          <a:p>
+            <a:fld id="{3A76D716-6E4E-4415-B8E8-84E3B0BE403E}" type="slidenum">
+              <a:rPr lang="hu-HU" smtClean="0"/>
+              <a:t>7</a:t>
             </a:fld>
             <a:endParaRPr lang="hu-HU"/>
           </a:p>
@@ -1190,7 +1338,7 @@
           <a:p>
             <a:fld id="{C6E8B002-83F0-41C5-A7B7-2819A96BD9B2}" type="datetimeFigureOut">
               <a:rPr lang="hu-HU" smtClean="0"/>
-              <a:t>2016.05.20.</a:t>
+              <a:t>2016.05.23.</a:t>
             </a:fld>
             <a:endParaRPr lang="hu-HU"/>
           </a:p>
@@ -1360,7 +1508,7 @@
           <a:p>
             <a:fld id="{C6E8B002-83F0-41C5-A7B7-2819A96BD9B2}" type="datetimeFigureOut">
               <a:rPr lang="hu-HU" smtClean="0"/>
-              <a:t>2016.05.20.</a:t>
+              <a:t>2016.05.23.</a:t>
             </a:fld>
             <a:endParaRPr lang="hu-HU"/>
           </a:p>
@@ -1540,7 +1688,7 @@
           <a:p>
             <a:fld id="{C6E8B002-83F0-41C5-A7B7-2819A96BD9B2}" type="datetimeFigureOut">
               <a:rPr lang="hu-HU" smtClean="0"/>
-              <a:t>2016.05.20.</a:t>
+              <a:t>2016.05.23.</a:t>
             </a:fld>
             <a:endParaRPr lang="hu-HU"/>
           </a:p>
@@ -1710,7 +1858,7 @@
           <a:p>
             <a:fld id="{C6E8B002-83F0-41C5-A7B7-2819A96BD9B2}" type="datetimeFigureOut">
               <a:rPr lang="hu-HU" smtClean="0"/>
-              <a:t>2016.05.20.</a:t>
+              <a:t>2016.05.23.</a:t>
             </a:fld>
             <a:endParaRPr lang="hu-HU"/>
           </a:p>
@@ -1954,7 +2102,7 @@
           <a:p>
             <a:fld id="{C6E8B002-83F0-41C5-A7B7-2819A96BD9B2}" type="datetimeFigureOut">
               <a:rPr lang="hu-HU" smtClean="0"/>
-              <a:t>2016.05.20.</a:t>
+              <a:t>2016.05.23.</a:t>
             </a:fld>
             <a:endParaRPr lang="hu-HU"/>
           </a:p>
@@ -2186,7 +2334,7 @@
           <a:p>
             <a:fld id="{C6E8B002-83F0-41C5-A7B7-2819A96BD9B2}" type="datetimeFigureOut">
               <a:rPr lang="hu-HU" smtClean="0"/>
-              <a:t>2016.05.20.</a:t>
+              <a:t>2016.05.23.</a:t>
             </a:fld>
             <a:endParaRPr lang="hu-HU"/>
           </a:p>
@@ -2553,7 +2701,7 @@
           <a:p>
             <a:fld id="{C6E8B002-83F0-41C5-A7B7-2819A96BD9B2}" type="datetimeFigureOut">
               <a:rPr lang="hu-HU" smtClean="0"/>
-              <a:t>2016.05.20.</a:t>
+              <a:t>2016.05.23.</a:t>
             </a:fld>
             <a:endParaRPr lang="hu-HU"/>
           </a:p>
@@ -2671,7 +2819,7 @@
           <a:p>
             <a:fld id="{C6E8B002-83F0-41C5-A7B7-2819A96BD9B2}" type="datetimeFigureOut">
               <a:rPr lang="hu-HU" smtClean="0"/>
-              <a:t>2016.05.20.</a:t>
+              <a:t>2016.05.23.</a:t>
             </a:fld>
             <a:endParaRPr lang="hu-HU"/>
           </a:p>
@@ -2766,7 +2914,7 @@
           <a:p>
             <a:fld id="{C6E8B002-83F0-41C5-A7B7-2819A96BD9B2}" type="datetimeFigureOut">
               <a:rPr lang="hu-HU" smtClean="0"/>
-              <a:t>2016.05.20.</a:t>
+              <a:t>2016.05.23.</a:t>
             </a:fld>
             <a:endParaRPr lang="hu-HU"/>
           </a:p>
@@ -3043,7 +3191,7 @@
           <a:p>
             <a:fld id="{C6E8B002-83F0-41C5-A7B7-2819A96BD9B2}" type="datetimeFigureOut">
               <a:rPr lang="hu-HU" smtClean="0"/>
-              <a:t>2016.05.20.</a:t>
+              <a:t>2016.05.23.</a:t>
             </a:fld>
             <a:endParaRPr lang="hu-HU"/>
           </a:p>
@@ -3300,7 +3448,7 @@
           <a:p>
             <a:fld id="{C6E8B002-83F0-41C5-A7B7-2819A96BD9B2}" type="datetimeFigureOut">
               <a:rPr lang="hu-HU" smtClean="0"/>
-              <a:t>2016.05.20.</a:t>
+              <a:t>2016.05.23.</a:t>
             </a:fld>
             <a:endParaRPr lang="hu-HU"/>
           </a:p>
@@ -3520,7 +3668,7 @@
           <a:p>
             <a:fld id="{C6E8B002-83F0-41C5-A7B7-2819A96BD9B2}" type="datetimeFigureOut">
               <a:rPr lang="hu-HU" smtClean="0"/>
-              <a:t>2016.05.20.</a:t>
+              <a:t>2016.05.23.</a:t>
             </a:fld>
             <a:endParaRPr lang="hu-HU"/>
           </a:p>
@@ -4071,51 +4219,9 @@
           <a:lstStyle/>
           <a:p>
             <a:r>
-              <a:rPr lang="hu-HU" sz="3200" b="1" dirty="0">
-                <a:latin typeface="+mj-lt"/>
-              </a:rPr>
+              <a:rPr lang="hu-HU" sz="3200" b="1" dirty="0"/>
               <a:t>Magamról</a:t>
             </a:r>
-          </a:p>
-        </p:txBody>
-      </p:sp>
-      <p:sp>
-        <p:nvSpPr>
-          <p:cNvPr id="4" name="Mosolygó arc 3"/>
-          <p:cNvSpPr/>
-          <p:nvPr/>
-        </p:nvSpPr>
-        <p:spPr>
-          <a:xfrm>
-            <a:off x="6654128" y="1762812"/>
-            <a:ext cx="1734532" cy="2300141"/>
-          </a:xfrm>
-          <a:prstGeom prst="smileyFace">
-            <a:avLst/>
-          </a:prstGeom>
-        </p:spPr>
-        <p:style>
-          <a:lnRef idx="2">
-            <a:schemeClr val="accent1">
-              <a:shade val="50000"/>
-            </a:schemeClr>
-          </a:lnRef>
-          <a:fillRef idx="1">
-            <a:schemeClr val="accent1"/>
-          </a:fillRef>
-          <a:effectRef idx="0">
-            <a:schemeClr val="accent1"/>
-          </a:effectRef>
-          <a:fontRef idx="minor">
-            <a:schemeClr val="lt1"/>
-          </a:fontRef>
-        </p:style>
-        <p:txBody>
-          <a:bodyPr rtlCol="0" anchor="ctr"/>
-          <a:lstStyle/>
-          <a:p>
-            <a:pPr algn="ctr"/>
-            <a:endParaRPr lang="hu-HU"/>
           </a:p>
         </p:txBody>
       </p:sp>
@@ -4172,6 +4278,36 @@
           </a:p>
         </p:txBody>
       </p:sp>
+      <p:pic>
+        <p:nvPicPr>
+          <p:cNvPr id="5" name="Kép 4"/>
+          <p:cNvPicPr>
+            <a:picLocks noChangeAspect="1"/>
+          </p:cNvPicPr>
+          <p:nvPr/>
+        </p:nvPicPr>
+        <p:blipFill>
+          <a:blip r:embed="rId3">
+            <a:extLst>
+              <a:ext uri="{28A0092B-C50C-407E-A947-70E740481C1C}">
+                <a14:useLocalDpi xmlns:a14="http://schemas.microsoft.com/office/drawing/2010/main" val="0"/>
+              </a:ext>
+            </a:extLst>
+          </a:blip>
+          <a:stretch>
+            <a:fillRect/>
+          </a:stretch>
+        </p:blipFill>
+        <p:spPr>
+          <a:xfrm>
+            <a:off x="6203301" y="1293491"/>
+            <a:ext cx="2092325" cy="3238919"/>
+          </a:xfrm>
+          <a:prstGeom prst="rect">
+            <a:avLst/>
+          </a:prstGeom>
+        </p:spPr>
+      </p:pic>
     </p:spTree>
     <p:extLst>
       <p:ext uri="{BB962C8B-B14F-4D97-AF65-F5344CB8AC3E}">
@@ -4261,9 +4397,7 @@
           <a:lstStyle/>
           <a:p>
             <a:r>
-              <a:rPr lang="hu-HU" sz="3200" b="1" dirty="0">
-                <a:latin typeface="+mj-lt"/>
-              </a:rPr>
+              <a:rPr lang="hu-HU" sz="3200" b="1" dirty="0"/>
               <a:t>A csapat</a:t>
             </a:r>
           </a:p>
@@ -4277,8 +4411,8 @@
         </p:nvSpPr>
         <p:spPr>
           <a:xfrm>
-            <a:off x="659876" y="1649691"/>
-            <a:ext cx="2239524" cy="2031325"/>
+            <a:off x="763780" y="1588235"/>
+            <a:ext cx="2764924" cy="2677656"/>
           </a:xfrm>
           <a:prstGeom prst="rect">
             <a:avLst/>
@@ -4292,7 +4426,7 @@
           <a:lstStyle/>
           <a:p>
             <a:r>
-              <a:rPr lang="hu-HU" dirty="0"/>
+              <a:rPr lang="hu-HU" sz="2400" dirty="0"/>
               <a:t>Tagok:</a:t>
             </a:r>
           </a:p>
@@ -4302,7 +4436,7 @@
               <a:buChar char="•"/>
             </a:pPr>
             <a:r>
-              <a:rPr lang="hu-HU" dirty="0"/>
+              <a:rPr lang="hu-HU" sz="2400" dirty="0"/>
               <a:t>Erdei Krisztián</a:t>
             </a:r>
           </a:p>
@@ -4312,7 +4446,7 @@
               <a:buChar char="•"/>
             </a:pPr>
             <a:r>
-              <a:rPr lang="hu-HU" dirty="0"/>
+              <a:rPr lang="hu-HU" sz="2400" dirty="0"/>
               <a:t>Iványi-Nagy Gábor</a:t>
             </a:r>
           </a:p>
@@ -4322,7 +4456,7 @@
               <a:buChar char="•"/>
             </a:pPr>
             <a:r>
-              <a:rPr lang="hu-HU" dirty="0"/>
+              <a:rPr lang="hu-HU" sz="2400" dirty="0"/>
               <a:t>Fekete Attila</a:t>
             </a:r>
           </a:p>
@@ -4331,11 +4465,11 @@
               <a:buFont typeface="Arial" panose="020B0604020202020204" pitchFamily="34" charset="0"/>
               <a:buChar char="•"/>
             </a:pPr>
-            <a:endParaRPr lang="hu-HU" dirty="0"/>
-          </a:p>
-          <a:p>
-            <a:r>
-              <a:rPr lang="hu-HU" dirty="0"/>
+            <a:endParaRPr lang="hu-HU" sz="2400" dirty="0"/>
+          </a:p>
+          <a:p>
+            <a:r>
+              <a:rPr lang="hu-HU" sz="2400" dirty="0"/>
               <a:t>Csapatvezető:</a:t>
             </a:r>
           </a:p>
@@ -4345,7 +4479,7 @@
               <a:buChar char="•"/>
             </a:pPr>
             <a:r>
-              <a:rPr lang="hu-HU" dirty="0"/>
+              <a:rPr lang="hu-HU" sz="2400" dirty="0"/>
               <a:t>Farkas László</a:t>
             </a:r>
           </a:p>
@@ -4470,67 +4604,283 @@
           <a:lstStyle/>
           <a:p>
             <a:r>
-              <a:rPr lang="hu-HU" sz="3200" b="1" dirty="0">
-                <a:latin typeface="+mj-lt"/>
-              </a:rPr>
-              <a:t>Főbb feladataim</a:t>
-            </a:r>
-          </a:p>
-        </p:txBody>
-      </p:sp>
-      <p:sp>
-        <p:nvSpPr>
-          <p:cNvPr id="5" name="Szövegdoboz 4"/>
-          <p:cNvSpPr txBox="1"/>
+              <a:rPr lang="hu-HU" sz="3200" b="1" dirty="0"/>
+              <a:t>Teszt életciklus</a:t>
+            </a:r>
+          </a:p>
+        </p:txBody>
+      </p:sp>
+      <p:sp>
+        <p:nvSpPr>
+          <p:cNvPr id="9" name="Téglalap 8"/>
+          <p:cNvSpPr/>
           <p:nvPr/>
         </p:nvSpPr>
         <p:spPr>
           <a:xfrm>
-            <a:off x="754144" y="2083324"/>
-            <a:ext cx="4784002" cy="1200329"/>
+            <a:off x="5476566" y="3581028"/>
+            <a:ext cx="2271251" cy="900000"/>
           </a:xfrm>
           <a:prstGeom prst="rect">
             <a:avLst/>
           </a:prstGeom>
-          <a:noFill/>
         </p:spPr>
-        <p:txBody>
-          <a:bodyPr wrap="none" rtlCol="0">
-            <a:spAutoFit/>
-          </a:bodyPr>
-          <a:lstStyle/>
-          <a:p>
-            <a:pPr marL="285750" indent="-285750">
-              <a:buFont typeface="Arial" panose="020B0604020202020204" pitchFamily="34" charset="0"/>
-              <a:buChar char="•"/>
-            </a:pPr>
-            <a:r>
-              <a:rPr lang="hu-HU" sz="2400" dirty="0"/>
-              <a:t>Többválaszos kérdések létrehozása</a:t>
-            </a:r>
-          </a:p>
-          <a:p>
-            <a:pPr marL="285750" indent="-285750">
-              <a:buFont typeface="Arial" panose="020B0604020202020204" pitchFamily="34" charset="0"/>
-              <a:buChar char="•"/>
-            </a:pPr>
-            <a:r>
-              <a:rPr lang="hu-HU" sz="2400" dirty="0"/>
-              <a:t>Teszt javítása</a:t>
-            </a:r>
-          </a:p>
-          <a:p>
-            <a:pPr marL="285750" indent="-285750">
-              <a:buFont typeface="Arial" panose="020B0604020202020204" pitchFamily="34" charset="0"/>
-              <a:buChar char="•"/>
-            </a:pPr>
-            <a:r>
-              <a:rPr lang="hu-HU" sz="2400" dirty="0"/>
-              <a:t>Képfeltöltés</a:t>
-            </a:r>
-          </a:p>
-        </p:txBody>
-      </p:sp>
+        <p:style>
+          <a:lnRef idx="2">
+            <a:schemeClr val="accent1">
+              <a:shade val="50000"/>
+            </a:schemeClr>
+          </a:lnRef>
+          <a:fillRef idx="1">
+            <a:schemeClr val="accent1"/>
+          </a:fillRef>
+          <a:effectRef idx="0">
+            <a:schemeClr val="accent1"/>
+          </a:effectRef>
+          <a:fontRef idx="minor">
+            <a:schemeClr val="lt1"/>
+          </a:fontRef>
+        </p:style>
+        <p:txBody>
+          <a:bodyPr rtlCol="0" anchor="ctr"/>
+          <a:lstStyle/>
+          <a:p>
+            <a:pPr algn="ctr"/>
+            <a:r>
+              <a:rPr lang="hu-HU" sz="2800" dirty="0"/>
+              <a:t>Eredmény megtekintése</a:t>
+            </a:r>
+          </a:p>
+        </p:txBody>
+      </p:sp>
+      <p:sp>
+        <p:nvSpPr>
+          <p:cNvPr id="10" name="Téglalap 9"/>
+          <p:cNvSpPr/>
+          <p:nvPr/>
+        </p:nvSpPr>
+        <p:spPr>
+          <a:xfrm>
+            <a:off x="1091380" y="3018107"/>
+            <a:ext cx="2271251" cy="900000"/>
+          </a:xfrm>
+          <a:prstGeom prst="rect">
+            <a:avLst/>
+          </a:prstGeom>
+        </p:spPr>
+        <p:style>
+          <a:lnRef idx="2">
+            <a:schemeClr val="accent1">
+              <a:shade val="50000"/>
+            </a:schemeClr>
+          </a:lnRef>
+          <a:fillRef idx="1">
+            <a:schemeClr val="accent1"/>
+          </a:fillRef>
+          <a:effectRef idx="0">
+            <a:schemeClr val="accent1"/>
+          </a:effectRef>
+          <a:fontRef idx="minor">
+            <a:schemeClr val="lt1"/>
+          </a:fontRef>
+        </p:style>
+        <p:txBody>
+          <a:bodyPr rtlCol="0" anchor="ctr"/>
+          <a:lstStyle/>
+          <a:p>
+            <a:pPr algn="ctr"/>
+            <a:r>
+              <a:rPr lang="hu-HU" sz="2800" dirty="0"/>
+              <a:t>Javítás</a:t>
+            </a:r>
+          </a:p>
+        </p:txBody>
+      </p:sp>
+      <p:sp>
+        <p:nvSpPr>
+          <p:cNvPr id="11" name="Téglalap 10"/>
+          <p:cNvSpPr/>
+          <p:nvPr/>
+        </p:nvSpPr>
+        <p:spPr>
+          <a:xfrm>
+            <a:off x="5496229" y="2118107"/>
+            <a:ext cx="2271251" cy="900000"/>
+          </a:xfrm>
+          <a:prstGeom prst="rect">
+            <a:avLst/>
+          </a:prstGeom>
+        </p:spPr>
+        <p:style>
+          <a:lnRef idx="2">
+            <a:schemeClr val="accent1">
+              <a:shade val="50000"/>
+            </a:schemeClr>
+          </a:lnRef>
+          <a:fillRef idx="1">
+            <a:schemeClr val="accent1"/>
+          </a:fillRef>
+          <a:effectRef idx="0">
+            <a:schemeClr val="accent1"/>
+          </a:effectRef>
+          <a:fontRef idx="minor">
+            <a:schemeClr val="lt1"/>
+          </a:fontRef>
+        </p:style>
+        <p:txBody>
+          <a:bodyPr rtlCol="0" anchor="ctr"/>
+          <a:lstStyle/>
+          <a:p>
+            <a:pPr algn="ctr"/>
+            <a:r>
+              <a:rPr lang="hu-HU" sz="2800" dirty="0"/>
+              <a:t>Kitöltés</a:t>
+            </a:r>
+          </a:p>
+        </p:txBody>
+      </p:sp>
+      <p:sp>
+        <p:nvSpPr>
+          <p:cNvPr id="12" name="Téglalap 11"/>
+          <p:cNvSpPr/>
+          <p:nvPr/>
+        </p:nvSpPr>
+        <p:spPr>
+          <a:xfrm>
+            <a:off x="1076632" y="1441081"/>
+            <a:ext cx="2271251" cy="900000"/>
+          </a:xfrm>
+          <a:prstGeom prst="rect">
+            <a:avLst/>
+          </a:prstGeom>
+        </p:spPr>
+        <p:style>
+          <a:lnRef idx="2">
+            <a:schemeClr val="accent1">
+              <a:shade val="50000"/>
+            </a:schemeClr>
+          </a:lnRef>
+          <a:fillRef idx="1">
+            <a:schemeClr val="accent1"/>
+          </a:fillRef>
+          <a:effectRef idx="0">
+            <a:schemeClr val="accent1"/>
+          </a:effectRef>
+          <a:fontRef idx="minor">
+            <a:schemeClr val="lt1"/>
+          </a:fontRef>
+        </p:style>
+        <p:txBody>
+          <a:bodyPr rtlCol="0" anchor="ctr"/>
+          <a:lstStyle/>
+          <a:p>
+            <a:pPr algn="ctr"/>
+            <a:r>
+              <a:rPr lang="hu-HU" sz="2800" dirty="0"/>
+              <a:t>Létrehozás</a:t>
+            </a:r>
+          </a:p>
+        </p:txBody>
+      </p:sp>
+      <p:cxnSp>
+        <p:nvCxnSpPr>
+          <p:cNvPr id="17" name="Egyenes összekötő nyíllal 16"/>
+          <p:cNvCxnSpPr/>
+          <p:nvPr/>
+        </p:nvCxnSpPr>
+        <p:spPr>
+          <a:xfrm>
+            <a:off x="3347883" y="1721108"/>
+            <a:ext cx="2148346" cy="677026"/>
+          </a:xfrm>
+          <a:prstGeom prst="straightConnector1">
+            <a:avLst/>
+          </a:prstGeom>
+          <a:ln w="63500">
+            <a:tailEnd type="triangle"/>
+          </a:ln>
+        </p:spPr>
+        <p:style>
+          <a:lnRef idx="1">
+            <a:schemeClr val="accent1"/>
+          </a:lnRef>
+          <a:fillRef idx="0">
+            <a:schemeClr val="accent1"/>
+          </a:fillRef>
+          <a:effectRef idx="0">
+            <a:schemeClr val="accent1"/>
+          </a:effectRef>
+          <a:fontRef idx="minor">
+            <a:schemeClr val="tx1"/>
+          </a:fontRef>
+        </p:style>
+      </p:cxnSp>
+      <p:cxnSp>
+        <p:nvCxnSpPr>
+          <p:cNvPr id="19" name="Egyenes összekötő nyíllal 18"/>
+          <p:cNvCxnSpPr/>
+          <p:nvPr/>
+        </p:nvCxnSpPr>
+        <p:spPr>
+          <a:xfrm flipH="1">
+            <a:off x="3347883" y="2787445"/>
+            <a:ext cx="2148346" cy="501445"/>
+          </a:xfrm>
+          <a:prstGeom prst="straightConnector1">
+            <a:avLst/>
+          </a:prstGeom>
+          <a:ln w="63500">
+            <a:tailEnd type="triangle"/>
+          </a:ln>
+        </p:spPr>
+        <p:style>
+          <a:lnRef idx="1">
+            <a:schemeClr val="accent1"/>
+          </a:lnRef>
+          <a:fillRef idx="0">
+            <a:schemeClr val="accent1"/>
+          </a:fillRef>
+          <a:effectRef idx="0">
+            <a:schemeClr val="accent1"/>
+          </a:effectRef>
+          <a:fontRef idx="minor">
+            <a:schemeClr val="tx1"/>
+          </a:fontRef>
+        </p:style>
+      </p:cxnSp>
+      <p:cxnSp>
+        <p:nvCxnSpPr>
+          <p:cNvPr id="21" name="Egyenes összekötő nyíllal 20"/>
+          <p:cNvCxnSpPr/>
+          <p:nvPr/>
+        </p:nvCxnSpPr>
+        <p:spPr>
+          <a:xfrm>
+            <a:off x="3345426" y="3638080"/>
+            <a:ext cx="2150803" cy="572165"/>
+          </a:xfrm>
+          <a:prstGeom prst="straightConnector1">
+            <a:avLst/>
+          </a:prstGeom>
+          <a:ln w="63500">
+            <a:tailEnd type="triangle"/>
+          </a:ln>
+        </p:spPr>
+        <p:style>
+          <a:lnRef idx="1">
+            <a:schemeClr val="accent1"/>
+          </a:lnRef>
+          <a:fillRef idx="0">
+            <a:schemeClr val="accent1"/>
+          </a:fillRef>
+          <a:effectRef idx="0">
+            <a:schemeClr val="accent1"/>
+          </a:effectRef>
+          <a:fontRef idx="minor">
+            <a:schemeClr val="tx1"/>
+          </a:fontRef>
+        </p:style>
+      </p:cxnSp>
     </p:spTree>
     <p:extLst>
       <p:ext uri="{BB962C8B-B14F-4D97-AF65-F5344CB8AC3E}">
@@ -4610,6 +4960,154 @@
         <p:spPr>
           <a:xfrm>
             <a:off x="238898" y="858795"/>
+            <a:ext cx="3526652" cy="434696"/>
+          </a:xfrm>
+        </p:spPr>
+        <p:txBody>
+          <a:bodyPr>
+            <a:noAutofit/>
+          </a:bodyPr>
+          <a:lstStyle/>
+          <a:p>
+            <a:r>
+              <a:rPr lang="hu-HU" sz="3200" b="1" dirty="0"/>
+              <a:t>Főbb feladataim</a:t>
+            </a:r>
+          </a:p>
+        </p:txBody>
+      </p:sp>
+      <p:sp>
+        <p:nvSpPr>
+          <p:cNvPr id="5" name="Szövegdoboz 4"/>
+          <p:cNvSpPr txBox="1"/>
+          <p:nvPr/>
+        </p:nvSpPr>
+        <p:spPr>
+          <a:xfrm>
+            <a:off x="754144" y="2083324"/>
+            <a:ext cx="4784002" cy="1200329"/>
+          </a:xfrm>
+          <a:prstGeom prst="rect">
+            <a:avLst/>
+          </a:prstGeom>
+          <a:noFill/>
+        </p:spPr>
+        <p:txBody>
+          <a:bodyPr wrap="none" rtlCol="0">
+            <a:spAutoFit/>
+          </a:bodyPr>
+          <a:lstStyle/>
+          <a:p>
+            <a:pPr marL="285750" indent="-285750">
+              <a:buFont typeface="Arial" panose="020B0604020202020204" pitchFamily="34" charset="0"/>
+              <a:buChar char="•"/>
+            </a:pPr>
+            <a:r>
+              <a:rPr lang="hu-HU" sz="2400" dirty="0"/>
+              <a:t>Többválaszos kérdések létrehozása</a:t>
+            </a:r>
+          </a:p>
+          <a:p>
+            <a:pPr marL="285750" indent="-285750">
+              <a:buFont typeface="Arial" panose="020B0604020202020204" pitchFamily="34" charset="0"/>
+              <a:buChar char="•"/>
+            </a:pPr>
+            <a:r>
+              <a:rPr lang="hu-HU" sz="2400" dirty="0"/>
+              <a:t>Teszt javítása</a:t>
+            </a:r>
+          </a:p>
+          <a:p>
+            <a:pPr marL="285750" indent="-285750">
+              <a:buFont typeface="Arial" panose="020B0604020202020204" pitchFamily="34" charset="0"/>
+              <a:buChar char="•"/>
+            </a:pPr>
+            <a:r>
+              <a:rPr lang="hu-HU" sz="2400" dirty="0"/>
+              <a:t>Képfeltöltés</a:t>
+            </a:r>
+          </a:p>
+        </p:txBody>
+      </p:sp>
+    </p:spTree>
+    <p:extLst>
+      <p:ext uri="{BB962C8B-B14F-4D97-AF65-F5344CB8AC3E}">
+        <p14:creationId xmlns:p14="http://schemas.microsoft.com/office/powerpoint/2010/main" val="3740706532"/>
+      </p:ext>
+    </p:extLst>
+  </p:cSld>
+  <p:clrMapOvr>
+    <a:masterClrMapping/>
+  </p:clrMapOvr>
+</p:sld>
+</file>
+
+<file path=ppt/slides/slide6.xml><?xml version="1.0" encoding="utf-8"?>
+<p:sld xmlns:a="http://schemas.openxmlformats.org/drawingml/2006/main" xmlns:r="http://schemas.openxmlformats.org/officeDocument/2006/relationships" xmlns:p="http://schemas.openxmlformats.org/presentationml/2006/main">
+  <p:cSld>
+    <p:spTree>
+      <p:nvGrpSpPr>
+        <p:cNvPr id="1" name=""/>
+        <p:cNvGrpSpPr/>
+        <p:nvPr/>
+      </p:nvGrpSpPr>
+      <p:grpSpPr>
+        <a:xfrm>
+          <a:off x="0" y="0"/>
+          <a:ext cx="0" cy="0"/>
+          <a:chOff x="0" y="0"/>
+          <a:chExt cx="0" cy="0"/>
+        </a:xfrm>
+      </p:grpSpPr>
+      <p:sp>
+        <p:nvSpPr>
+          <p:cNvPr id="2" name="Cím 1"/>
+          <p:cNvSpPr>
+            <a:spLocks noGrp="1"/>
+          </p:cNvSpPr>
+          <p:nvPr>
+            <p:ph type="ctrTitle"/>
+          </p:nvPr>
+        </p:nvSpPr>
+        <p:spPr>
+          <a:xfrm>
+            <a:off x="7521394" y="67963"/>
+            <a:ext cx="1548465" cy="583469"/>
+          </a:xfrm>
+        </p:spPr>
+        <p:txBody>
+          <a:bodyPr>
+            <a:normAutofit fontScale="90000"/>
+          </a:bodyPr>
+          <a:lstStyle/>
+          <a:p>
+            <a:r>
+              <a:rPr lang="hu-HU" sz="1800" dirty="0"/>
+              <a:t>Teszt modul</a:t>
+            </a:r>
+            <a:br>
+              <a:rPr lang="hu-HU" sz="1800" dirty="0"/>
+            </a:br>
+            <a:r>
+              <a:rPr lang="hu-HU" sz="1800" dirty="0"/>
+              <a:t>Fekete Attila</a:t>
+            </a:r>
+          </a:p>
+        </p:txBody>
+      </p:sp>
+      <p:sp>
+        <p:nvSpPr>
+          <p:cNvPr id="3" name="Alcím 2"/>
+          <p:cNvSpPr>
+            <a:spLocks noGrp="1"/>
+          </p:cNvSpPr>
+          <p:nvPr>
+            <p:ph type="subTitle" idx="1"/>
+          </p:nvPr>
+        </p:nvSpPr>
+        <p:spPr>
+          <a:xfrm>
+            <a:off x="238898" y="858795"/>
             <a:ext cx="4523602" cy="434696"/>
           </a:xfrm>
         </p:spPr>
@@ -4620,9 +5118,7 @@
           <a:lstStyle/>
           <a:p>
             <a:r>
-              <a:rPr lang="hu-HU" sz="3200" b="1" dirty="0">
-                <a:latin typeface="+mj-lt"/>
-              </a:rPr>
+              <a:rPr lang="hu-HU" sz="3200" b="1" dirty="0"/>
               <a:t>Legnagyobb nehézségeim</a:t>
             </a:r>
           </a:p>
@@ -4704,7 +5200,7 @@
     </p:spTree>
     <p:extLst>
       <p:ext uri="{BB962C8B-B14F-4D97-AF65-F5344CB8AC3E}">
-        <p14:creationId xmlns:p14="http://schemas.microsoft.com/office/powerpoint/2010/main" val="3674905900"/>
+        <p14:creationId xmlns:p14="http://schemas.microsoft.com/office/powerpoint/2010/main" val="374293361"/>
       </p:ext>
     </p:extLst>
   </p:cSld>
@@ -4714,7 +5210,7 @@
 </p:sld>
 </file>
 
-<file path=ppt/slides/slide6.xml><?xml version="1.0" encoding="utf-8"?>
+<file path=ppt/slides/slide7.xml><?xml version="1.0" encoding="utf-8"?>
 <p:sld xmlns:a="http://schemas.openxmlformats.org/drawingml/2006/main" xmlns:r="http://schemas.openxmlformats.org/officeDocument/2006/relationships" xmlns:p="http://schemas.openxmlformats.org/presentationml/2006/main">
   <p:cSld>
     <p:spTree>
@@ -4790,9 +5286,7 @@
           <a:lstStyle/>
           <a:p>
             <a:r>
-              <a:rPr lang="hu-HU" sz="3200" b="1" dirty="0">
-                <a:latin typeface="+mj-lt"/>
-              </a:rPr>
+              <a:rPr lang="hu-HU" sz="3200" b="1" dirty="0"/>
               <a:t>Személyes tapasztalataim</a:t>
             </a:r>
           </a:p>
@@ -4841,6 +5335,36 @@
           </a:p>
         </p:txBody>
       </p:sp>
+      <p:pic>
+        <p:nvPicPr>
+          <p:cNvPr id="5" name="Kép 4"/>
+          <p:cNvPicPr>
+            <a:picLocks noChangeAspect="1"/>
+          </p:cNvPicPr>
+          <p:nvPr/>
+        </p:nvPicPr>
+        <p:blipFill>
+          <a:blip r:embed="rId3">
+            <a:extLst>
+              <a:ext uri="{28A0092B-C50C-407E-A947-70E740481C1C}">
+                <a14:useLocalDpi xmlns:a14="http://schemas.microsoft.com/office/drawing/2010/main" val="0"/>
+              </a:ext>
+            </a:extLst>
+          </a:blip>
+          <a:stretch>
+            <a:fillRect/>
+          </a:stretch>
+        </p:blipFill>
+        <p:spPr>
+          <a:xfrm>
+            <a:off x="6144408" y="1002403"/>
+            <a:ext cx="1909235" cy="3683410"/>
+          </a:xfrm>
+          <a:prstGeom prst="rect">
+            <a:avLst/>
+          </a:prstGeom>
+        </p:spPr>
+      </p:pic>
     </p:spTree>
     <p:extLst>
       <p:ext uri="{BB962C8B-B14F-4D97-AF65-F5344CB8AC3E}">
@@ -4854,7 +5378,7 @@
 </p:sld>
 </file>
 
-<file path=ppt/slides/slide7.xml><?xml version="1.0" encoding="utf-8"?>
+<file path=ppt/slides/slide8.xml><?xml version="1.0" encoding="utf-8"?>
 <p:sld xmlns:a="http://schemas.openxmlformats.org/drawingml/2006/main" xmlns:r="http://schemas.openxmlformats.org/officeDocument/2006/relationships" xmlns:p="http://schemas.openxmlformats.org/presentationml/2006/main">
   <p:cSld>
     <p:bg>

--- a/feketeattila/feketeattilajavaee.pptx
+++ b/feketeattila/feketeattilajavaee.pptx
@@ -5,7 +5,7 @@
     <p:sldMasterId id="2147483660" r:id="rId1"/>
   </p:sldMasterIdLst>
   <p:notesMasterIdLst>
-    <p:notesMasterId r:id="rId10"/>
+    <p:notesMasterId r:id="rId11"/>
   </p:notesMasterIdLst>
   <p:sldIdLst>
     <p:sldId id="257" r:id="rId2"/>
@@ -14,8 +14,9 @@
     <p:sldId id="260" r:id="rId5"/>
     <p:sldId id="264" r:id="rId6"/>
     <p:sldId id="263" r:id="rId7"/>
-    <p:sldId id="262" r:id="rId8"/>
-    <p:sldId id="258" r:id="rId9"/>
+    <p:sldId id="265" r:id="rId8"/>
+    <p:sldId id="262" r:id="rId9"/>
+    <p:sldId id="258" r:id="rId10"/>
   </p:sldIdLst>
   <p:sldSz cx="9144000" cy="5143500" type="screen16x9"/>
   <p:notesSz cx="6858000" cy="9144000"/>
@@ -215,7 +216,7 @@
           <a:p>
             <a:fld id="{D2CAC537-1148-4D9D-B1D4-4876C6D7A9B8}" type="datetimeFigureOut">
               <a:rPr lang="hu-HU" smtClean="0"/>
-              <a:t>2016.05.23.</a:t>
+              <a:t>2016.05.25.</a:t>
             </a:fld>
             <a:endParaRPr lang="hu-HU"/>
           </a:p>
@@ -532,7 +533,7 @@
             </a:r>
             <a:r>
               <a:rPr lang="hu-HU" baseline="0" dirty="0"/>
-              <a:t> ezen a bemutatón, Fekete Attila vagyok, a Debreceni Egyetem harmadéves Programtervező Informatikus hallgatója, röviden annyit magamról, hogy a Teszt-modul egyik fejlesztője vagyok, és a bemutatón én képviselem elsőként modulunkat.</a:t>
+              <a:t> ezen a bemutatón, Fekete Attila vagyok, a Debreceni Egyetem harmadéves Programtervező Informatikus hallgatója, és a Teszt-modul egyik fejlesztője, a bemutatón én képviselem elsőként modulunkat.</a:t>
             </a:r>
             <a:endParaRPr lang="hu-HU" dirty="0"/>
           </a:p>
@@ -620,11 +621,11 @@
           <a:p>
             <a:r>
               <a:rPr lang="hu-HU" dirty="0"/>
-              <a:t>A csapat három tagból,</a:t>
+              <a:t>A csapat három tagból</a:t>
             </a:r>
             <a:r>
               <a:rPr lang="hu-HU" baseline="0" dirty="0"/>
-              <a:t> plusz a csapatvezetőnkből áll. A tagok: Erdei Krisztián, Iványi-Nagy Gábor, és jómagam, a csapatvezetőnk pedig Farkas László.</a:t>
+              <a:t> áll: Erdei Krisztián, Iványi-Nagy Gábor, és jómagam, a csapatvezetőnk pedig Farkas László.</a:t>
             </a:r>
           </a:p>
           <a:p>
@@ -658,7 +659,7 @@
             </a:r>
             <a:r>
               <a:rPr lang="hu-HU" baseline="0" dirty="0"/>
-              <a:t> formájában. Szinte mindenen hamar meg tudtunk egyezni, konfliktus egyszer se alakult ki, arra ugye ott volt a GIT. Mindenki rendesen kivette a részét a munkából, és a rá bízott feladatot igyekezett a legjobb tudása szerint megoldani.</a:t>
+              <a:t> formájában. Szinte mindenen hamar meg tudtunk egyezni, konfliktus egyszer se alakult ki, arra ugye ott volt a GIT. Mindenki kivette a részét a munkából, és a rá bízott feladatot igyekezett a legjobb tudása szerint megoldani.</a:t>
             </a:r>
             <a:endParaRPr lang="hu-HU" dirty="0"/>
           </a:p>
@@ -773,7 +774,25 @@
             </a:pPr>
             <a:r>
               <a:rPr lang="hu-HU" baseline="0" dirty="0"/>
-              <a:t>Egy oktató létrehoz egy tesztet, benne kérdéseket, esetleg válaszlehetőségeket is.</a:t>
+              <a:t>Egy oktató létrehoz egy tesztet, amiben kérdéseket kell létrehozni.</a:t>
+            </a:r>
+          </a:p>
+          <a:p>
+            <a:pPr marL="0" indent="0">
+              <a:buNone/>
+            </a:pPr>
+            <a:r>
+              <a:rPr lang="hu-HU" baseline="0" dirty="0"/>
+              <a:t>Három kérdéstípus közül lehet választani: </a:t>
+            </a:r>
+          </a:p>
+          <a:p>
+            <a:pPr marL="0" indent="0">
+              <a:buNone/>
+            </a:pPr>
+            <a:r>
+              <a:rPr lang="hu-HU" baseline="0" dirty="0"/>
+              <a:t>Amiben a válaszlehetőségek közül csak egy helyes válasz van (továbbiakban egyválaszos kérdés), amire nulla, vagy több helyes válasz is lehet (továbbiakban többválaszos kérdés), valamint a szövegesválaszos kérdés.</a:t>
             </a:r>
           </a:p>
           <a:p>
@@ -804,7 +823,7 @@
             </a:pPr>
             <a:r>
               <a:rPr lang="hu-HU" baseline="0" dirty="0"/>
-              <a:t>Egy felületen </a:t>
+              <a:t>Egy erre kinevezett felületen </a:t>
             </a:r>
             <a:r>
               <a:rPr lang="hu-HU" baseline="0" dirty="0" err="1"/>
@@ -912,13 +931,16 @@
           <a:p>
             <a:r>
               <a:rPr lang="hu-HU" baseline="0" dirty="0"/>
-              <a:t>Időm egy elég nagy részét a Többválaszos kérdések létrehozása, módosítása okozta. Három kérdéstípusunk van: Amire csak egy jó válasz van, amire több jó válasz is lehet, és amire a diáknak szövegesen kell válaszolni.</a:t>
-            </a:r>
+              <a:t>Időm jórészét a Többválaszos kérdések létrehozása, módosítása okozta. Nem is a feladat nehézsége okozott kihívást, hanem mivel ezt a feladatot számtalan megközelítésből lehet megoldani, találnunk kellett egy olyat, amelyik a legkényelmesebben alkalmazható mind az egyválaszos, mind a többválaszos kérdéstípusoknál. Végül sikerült optimális megoldást találni, ezek után a felület kialakítása már gyerekjáték volt.</a:t>
+            </a:r>
+          </a:p>
+          <a:p>
+            <a:endParaRPr lang="hu-HU" baseline="0" dirty="0"/>
           </a:p>
           <a:p>
             <a:r>
               <a:rPr lang="hu-HU" baseline="0" dirty="0"/>
-              <a:t>Nem is a feladat nehézsége okozott kihívást, hanem a rengeteg megoldáslehetőség miatt. Ki kellett találnunk egy olyan megoldást, ami az összes többi kérdéstípusnál is alkalmazható, apró módosításokkal. Ezt a megoldást viszonylag hamar sikerült is megtalálnom, és ezen az úton el is tudtunk indulni.</a:t>
+              <a:t>Egy másik feladatom a Teszt javítása. Teszt javítására csak az olyan tesztek esetén van szükség, amelyek tartalmaznak szöveges választ igénylő kérdéseket, ugyanis a többi kérdést a rendszer a teszt benyújtása után automatikusan kiértékeli, ám a szöveges válaszoknál tanár általi elfogadásra van szükség.</a:t>
             </a:r>
           </a:p>
           <a:p>
@@ -927,16 +949,7 @@
           <a:p>
             <a:r>
               <a:rPr lang="hu-HU" baseline="0" dirty="0"/>
-              <a:t>Egy másik feladatom a Teszt javítása. Teszt javítására csak az olyan tesztek esetén van szükség, amelyek tartalmaznak szöveges választ igénylő kérdéseket, ugyanis a többi kérdést a rendszer a teszt benyújtása után automatikusan kiértékeli, ám a szöveges válaszoknál tanár általi elfogadásra van szükség. A feladat nem okozott túl nagy fejfájást, de úgy érzem itt említést érdemel.</a:t>
-            </a:r>
-          </a:p>
-          <a:p>
-            <a:endParaRPr lang="hu-HU" baseline="0" dirty="0"/>
-          </a:p>
-          <a:p>
-            <a:r>
-              <a:rPr lang="hu-HU" baseline="0" dirty="0"/>
-              <a:t>Végül meg szeretném említeni a Képfeltöltést, ami szintén a megoldási lehetőségek miatt volt érdekes megoldani. Erről a kihívásról… [DIÁT VÁLT]</a:t>
+              <a:t>Végül meg szeretném említeni a Képfeltöltést, ami szintén a megoldási lehetőségek sokasága miatt volt érdekes megoldani. Erről a kihívásról… [DIÁT VÁLT]</a:t>
             </a:r>
           </a:p>
         </p:txBody>
@@ -1036,7 +1049,7 @@
           <a:p>
             <a:r>
               <a:rPr lang="hu-HU" baseline="0" dirty="0"/>
-              <a:t>Enyhe fejfájást okozott, hogy rájöjjek, hogy oldjam meg, hogy egy képet ne adatbázisban tároljunk, de mégis a szerveren legyen, valamint a Rich-text szövegszerkesztőbe tudjak rá hivatkozni. Ezeket az apróbb nehézségeket végül Farkas László segítségével hamar megoldottuk, a fájlok a szerveren találhatóak, és egy linkkel el is érhetőek feltöltés után, amit az oldal meg is oszt velünk. Ezek a linkek immár szabadon használhatóak a kérdés szövegének módosításakor.</a:t>
+              <a:t>Rá kellet jönnöm, hogy oldjam meg, hogy egy képet a szerveren el tudjunk tárolni, és a Rich-text szövegszerkesztőben egy linken keresztül tudjunk rá hivatkozni. Ügyelnem kellett arra is, hogy ez a felhasználó számára kényelmes legyen. Ezeket az apróbb nehézségeket végül Farkas László segítségével hamar megoldottuk, a fájlok a szerveren találhatóak, és egy linkkel el is érhetőek feltöltés után, amit az oldal meg is oszt velünk. Ezek a linkek immár szabadon használhatóak a kérdés szövegének módosításakor… [DIÁT VÁLT]</a:t>
             </a:r>
             <a:endParaRPr lang="hu-HU" dirty="0"/>
           </a:p>
@@ -1124,50 +1137,13 @@
           <a:p>
             <a:r>
               <a:rPr lang="hu-HU" dirty="0"/>
-              <a:t>Személyes tapasztalataim a képzéssel kapcsolatban...</a:t>
-            </a:r>
-            <a:endParaRPr lang="hu-HU" baseline="0" dirty="0"/>
-          </a:p>
-          <a:p>
+              <a:t>… amik kitöltéskor</a:t>
+            </a:r>
             <a:r>
               <a:rPr lang="hu-HU" baseline="0" dirty="0"/>
-              <a:t>A képzés elején szerencsére nem voltak nehézségeim, mivel a Java alapokkal tisztában voltam, valamint egyetemi pályafutásom során sokszor találkoztam a GIT-tel és </a:t>
-            </a:r>
-            <a:r>
-              <a:rPr lang="hu-HU" baseline="0" dirty="0" err="1"/>
-              <a:t>Maven-nel</a:t>
-            </a:r>
-            <a:r>
-              <a:rPr lang="hu-HU" baseline="0" dirty="0"/>
-              <a:t>, ami rendkívül megkönnyítette a korábbi elméleti órákat, valamint a kiadott feladatok megoldását. Később az új technológiák megismerése már kisebb fejfájást okozott, de a projekt során való folyamatos alkalmazásuk után már tisztábban látom a dolgokat. Úgy érzem, rengeteget bővült a tudásom ezen új technológiák megismerésével, és bátrabban merném őket alkalmazni a továbbiakban.</a:t>
-            </a:r>
-          </a:p>
-          <a:p>
-            <a:endParaRPr lang="hu-HU" baseline="0" dirty="0"/>
-          </a:p>
-          <a:p>
-            <a:r>
-              <a:rPr lang="hu-HU" baseline="0" dirty="0"/>
-              <a:t>A képzés még megajándékozott az első komolyabb csapatmunkámmal, ami igazi kihívások elé tudott állítani. Pár feladatnak sikerült fejfájást okoznia, de nem volt olyan probléma, amit egyedül, vagy netán segítséggel ne tudtam volna leküzdeni.</a:t>
-            </a:r>
-          </a:p>
-          <a:p>
-            <a:endParaRPr lang="hu-HU" baseline="0" dirty="0"/>
-          </a:p>
-          <a:p>
-            <a:r>
-              <a:rPr lang="hu-HU" baseline="0" dirty="0"/>
-              <a:t>Már most úgy érzem, hogy sikerül kamatoztatni a megszerzett tudásom, hisz a félév végére több beadandó programot is kell írnom, és az itt megszerzett tudás hatalmas mankó a beadandóm jól-szervezettségében és kódminőségében.</a:t>
-            </a:r>
-          </a:p>
-          <a:p>
-            <a:endParaRPr lang="hu-HU" baseline="0" dirty="0"/>
-          </a:p>
-          <a:p>
-            <a:r>
-              <a:rPr lang="hu-HU" baseline="0" dirty="0"/>
-              <a:t>Ezzel zárnám is a beszédemet, köszönöm a figyelmet!</a:t>
-            </a:r>
+              <a:t> valahogy így fognak kinézni.</a:t>
+            </a:r>
+            <a:endParaRPr lang="hu-HU" dirty="0"/>
           </a:p>
         </p:txBody>
       </p:sp>
@@ -1189,6 +1165,135 @@
             <a:fld id="{3A76D716-6E4E-4415-B8E8-84E3B0BE403E}" type="slidenum">
               <a:rPr lang="hu-HU" smtClean="0"/>
               <a:t>7</a:t>
+            </a:fld>
+            <a:endParaRPr lang="hu-HU"/>
+          </a:p>
+        </p:txBody>
+      </p:sp>
+    </p:spTree>
+    <p:extLst>
+      <p:ext uri="{BB962C8B-B14F-4D97-AF65-F5344CB8AC3E}">
+        <p14:creationId xmlns:p14="http://schemas.microsoft.com/office/powerpoint/2010/main" val="3085182696"/>
+      </p:ext>
+    </p:extLst>
+  </p:cSld>
+  <p:clrMapOvr>
+    <a:masterClrMapping/>
+  </p:clrMapOvr>
+</p:notes>
+</file>
+
+<file path=ppt/notesSlides/notesSlide7.xml><?xml version="1.0" encoding="utf-8"?>
+<p:notes xmlns:a="http://schemas.openxmlformats.org/drawingml/2006/main" xmlns:r="http://schemas.openxmlformats.org/officeDocument/2006/relationships" xmlns:p="http://schemas.openxmlformats.org/presentationml/2006/main">
+  <p:cSld>
+    <p:spTree>
+      <p:nvGrpSpPr>
+        <p:cNvPr id="1" name=""/>
+        <p:cNvGrpSpPr/>
+        <p:nvPr/>
+      </p:nvGrpSpPr>
+      <p:grpSpPr>
+        <a:xfrm>
+          <a:off x="0" y="0"/>
+          <a:ext cx="0" cy="0"/>
+          <a:chOff x="0" y="0"/>
+          <a:chExt cx="0" cy="0"/>
+        </a:xfrm>
+      </p:grpSpPr>
+      <p:sp>
+        <p:nvSpPr>
+          <p:cNvPr id="2" name="Diakép helye 1"/>
+          <p:cNvSpPr>
+            <a:spLocks noGrp="1" noRot="1" noChangeAspect="1"/>
+          </p:cNvSpPr>
+          <p:nvPr>
+            <p:ph type="sldImg"/>
+          </p:nvPr>
+        </p:nvSpPr>
+        <p:spPr/>
+      </p:sp>
+      <p:sp>
+        <p:nvSpPr>
+          <p:cNvPr id="3" name="Jegyzetek helye 2"/>
+          <p:cNvSpPr>
+            <a:spLocks noGrp="1"/>
+          </p:cNvSpPr>
+          <p:nvPr>
+            <p:ph type="body" idx="1"/>
+          </p:nvPr>
+        </p:nvSpPr>
+        <p:spPr/>
+        <p:txBody>
+          <a:bodyPr/>
+          <a:lstStyle/>
+          <a:p>
+            <a:r>
+              <a:rPr lang="hu-HU" dirty="0"/>
+              <a:t>Személyes tapasztalataim a képzéssel kapcsolatban...</a:t>
+            </a:r>
+            <a:endParaRPr lang="hu-HU" baseline="0" dirty="0"/>
+          </a:p>
+          <a:p>
+            <a:r>
+              <a:rPr lang="hu-HU" baseline="0" dirty="0"/>
+              <a:t>A képzés eleje úgy érzem zökkenőmentesen ment, mivel a Java alapokkal tisztában voltam, valamint egyetemi pályafutásom során sokszor találkoztam a GIT-tel és </a:t>
+            </a:r>
+            <a:r>
+              <a:rPr lang="hu-HU" baseline="0" dirty="0" err="1"/>
+              <a:t>Maven-nel</a:t>
+            </a:r>
+            <a:r>
+              <a:rPr lang="hu-HU" baseline="0" dirty="0"/>
+              <a:t>, ami rendkívül megkönnyítette a korábbi elméleti órákat, valamint a kiadott feladatok megoldását. Később a rengeteg új technológia megismerése már keményebb dió volt, de a projekt során való folyamatos alkalmazásuk után már tisztábban látom a dolgokat. Úgy érzem, rengeteget bővült a tudásom ezen új technológiák megismerésével, és bátrabban merném őket alkalmazni a továbbiakban.</a:t>
+            </a:r>
+          </a:p>
+          <a:p>
+            <a:endParaRPr lang="hu-HU" baseline="0" dirty="0"/>
+          </a:p>
+          <a:p>
+            <a:r>
+              <a:rPr lang="hu-HU" baseline="0" dirty="0"/>
+              <a:t>A képzés még megajándékozott az első komolyabb csapatmunkámmal, ami igazi kihívások elé tudott állítani. Nem volt olyan probléma, amit egyedül, vagy netán segítséggel ne tudtam volna leküzdeni.</a:t>
+            </a:r>
+          </a:p>
+          <a:p>
+            <a:endParaRPr lang="hu-HU" baseline="0" dirty="0"/>
+          </a:p>
+          <a:p>
+            <a:r>
+              <a:rPr lang="hu-HU" baseline="0" dirty="0"/>
+              <a:t>Már most úgy érzem, hogy sikerül kamatoztatni a megszerzett tudásom, hisz a félév végére több beadandó programot is kell írnom, és az itt megszerzett tudás hatalmas mankó a beadandóm jól-szervezettségében és kódminőségében.</a:t>
+            </a:r>
+          </a:p>
+          <a:p>
+            <a:endParaRPr lang="hu-HU" baseline="0" dirty="0"/>
+          </a:p>
+          <a:p>
+            <a:r>
+              <a:rPr lang="hu-HU" baseline="0" dirty="0"/>
+              <a:t>Ezzel zárnám is a beszédemet, köszönöm a figyelmet!</a:t>
+            </a:r>
+          </a:p>
+        </p:txBody>
+      </p:sp>
+      <p:sp>
+        <p:nvSpPr>
+          <p:cNvPr id="4" name="Dia számának helye 3"/>
+          <p:cNvSpPr>
+            <a:spLocks noGrp="1"/>
+          </p:cNvSpPr>
+          <p:nvPr>
+            <p:ph type="sldNum" sz="quarter" idx="10"/>
+          </p:nvPr>
+        </p:nvSpPr>
+        <p:spPr/>
+        <p:txBody>
+          <a:bodyPr/>
+          <a:lstStyle/>
+          <a:p>
+            <a:fld id="{3A76D716-6E4E-4415-B8E8-84E3B0BE403E}" type="slidenum">
+              <a:rPr lang="hu-HU" smtClean="0"/>
+              <a:t>8</a:t>
             </a:fld>
             <a:endParaRPr lang="hu-HU"/>
           </a:p>
@@ -1338,7 +1443,7 @@
           <a:p>
             <a:fld id="{C6E8B002-83F0-41C5-A7B7-2819A96BD9B2}" type="datetimeFigureOut">
               <a:rPr lang="hu-HU" smtClean="0"/>
-              <a:t>2016.05.23.</a:t>
+              <a:t>2016.05.25.</a:t>
             </a:fld>
             <a:endParaRPr lang="hu-HU"/>
           </a:p>
@@ -1508,7 +1613,7 @@
           <a:p>
             <a:fld id="{C6E8B002-83F0-41C5-A7B7-2819A96BD9B2}" type="datetimeFigureOut">
               <a:rPr lang="hu-HU" smtClean="0"/>
-              <a:t>2016.05.23.</a:t>
+              <a:t>2016.05.25.</a:t>
             </a:fld>
             <a:endParaRPr lang="hu-HU"/>
           </a:p>
@@ -1688,7 +1793,7 @@
           <a:p>
             <a:fld id="{C6E8B002-83F0-41C5-A7B7-2819A96BD9B2}" type="datetimeFigureOut">
               <a:rPr lang="hu-HU" smtClean="0"/>
-              <a:t>2016.05.23.</a:t>
+              <a:t>2016.05.25.</a:t>
             </a:fld>
             <a:endParaRPr lang="hu-HU"/>
           </a:p>
@@ -1858,7 +1963,7 @@
           <a:p>
             <a:fld id="{C6E8B002-83F0-41C5-A7B7-2819A96BD9B2}" type="datetimeFigureOut">
               <a:rPr lang="hu-HU" smtClean="0"/>
-              <a:t>2016.05.23.</a:t>
+              <a:t>2016.05.25.</a:t>
             </a:fld>
             <a:endParaRPr lang="hu-HU"/>
           </a:p>
@@ -2102,7 +2207,7 @@
           <a:p>
             <a:fld id="{C6E8B002-83F0-41C5-A7B7-2819A96BD9B2}" type="datetimeFigureOut">
               <a:rPr lang="hu-HU" smtClean="0"/>
-              <a:t>2016.05.23.</a:t>
+              <a:t>2016.05.25.</a:t>
             </a:fld>
             <a:endParaRPr lang="hu-HU"/>
           </a:p>
@@ -2334,7 +2439,7 @@
           <a:p>
             <a:fld id="{C6E8B002-83F0-41C5-A7B7-2819A96BD9B2}" type="datetimeFigureOut">
               <a:rPr lang="hu-HU" smtClean="0"/>
-              <a:t>2016.05.23.</a:t>
+              <a:t>2016.05.25.</a:t>
             </a:fld>
             <a:endParaRPr lang="hu-HU"/>
           </a:p>
@@ -2701,7 +2806,7 @@
           <a:p>
             <a:fld id="{C6E8B002-83F0-41C5-A7B7-2819A96BD9B2}" type="datetimeFigureOut">
               <a:rPr lang="hu-HU" smtClean="0"/>
-              <a:t>2016.05.23.</a:t>
+              <a:t>2016.05.25.</a:t>
             </a:fld>
             <a:endParaRPr lang="hu-HU"/>
           </a:p>
@@ -2819,7 +2924,7 @@
           <a:p>
             <a:fld id="{C6E8B002-83F0-41C5-A7B7-2819A96BD9B2}" type="datetimeFigureOut">
               <a:rPr lang="hu-HU" smtClean="0"/>
-              <a:t>2016.05.23.</a:t>
+              <a:t>2016.05.25.</a:t>
             </a:fld>
             <a:endParaRPr lang="hu-HU"/>
           </a:p>
@@ -2914,7 +3019,7 @@
           <a:p>
             <a:fld id="{C6E8B002-83F0-41C5-A7B7-2819A96BD9B2}" type="datetimeFigureOut">
               <a:rPr lang="hu-HU" smtClean="0"/>
-              <a:t>2016.05.23.</a:t>
+              <a:t>2016.05.25.</a:t>
             </a:fld>
             <a:endParaRPr lang="hu-HU"/>
           </a:p>
@@ -3191,7 +3296,7 @@
           <a:p>
             <a:fld id="{C6E8B002-83F0-41C5-A7B7-2819A96BD9B2}" type="datetimeFigureOut">
               <a:rPr lang="hu-HU" smtClean="0"/>
-              <a:t>2016.05.23.</a:t>
+              <a:t>2016.05.25.</a:t>
             </a:fld>
             <a:endParaRPr lang="hu-HU"/>
           </a:p>
@@ -3448,7 +3553,7 @@
           <a:p>
             <a:fld id="{C6E8B002-83F0-41C5-A7B7-2819A96BD9B2}" type="datetimeFigureOut">
               <a:rPr lang="hu-HU" smtClean="0"/>
-              <a:t>2016.05.23.</a:t>
+              <a:t>2016.05.25.</a:t>
             </a:fld>
             <a:endParaRPr lang="hu-HU"/>
           </a:p>
@@ -3668,7 +3773,7 @@
           <a:p>
             <a:fld id="{C6E8B002-83F0-41C5-A7B7-2819A96BD9B2}" type="datetimeFigureOut">
               <a:rPr lang="hu-HU" smtClean="0"/>
-              <a:t>2016.05.23.</a:t>
+              <a:t>2016.05.25.</a:t>
             </a:fld>
             <a:endParaRPr lang="hu-HU"/>
           </a:p>
@@ -5263,6 +5368,102 @@
           </a:p>
         </p:txBody>
       </p:sp>
+      <p:pic>
+        <p:nvPicPr>
+          <p:cNvPr id="7" name="Kép 6"/>
+          <p:cNvPicPr>
+            <a:picLocks noChangeAspect="1"/>
+          </p:cNvPicPr>
+          <p:nvPr/>
+        </p:nvPicPr>
+        <p:blipFill>
+          <a:blip r:embed="rId3">
+            <a:extLst>
+              <a:ext uri="{28A0092B-C50C-407E-A947-70E740481C1C}">
+                <a14:useLocalDpi xmlns:a14="http://schemas.microsoft.com/office/drawing/2010/main" val="0"/>
+              </a:ext>
+            </a:extLst>
+          </a:blip>
+          <a:stretch>
+            <a:fillRect/>
+          </a:stretch>
+        </p:blipFill>
+        <p:spPr>
+          <a:xfrm>
+            <a:off x="2732589" y="989045"/>
+            <a:ext cx="3892145" cy="3610361"/>
+          </a:xfrm>
+          <a:prstGeom prst="rect">
+            <a:avLst/>
+          </a:prstGeom>
+        </p:spPr>
+      </p:pic>
+    </p:spTree>
+    <p:extLst>
+      <p:ext uri="{BB962C8B-B14F-4D97-AF65-F5344CB8AC3E}">
+        <p14:creationId xmlns:p14="http://schemas.microsoft.com/office/powerpoint/2010/main" val="3878798968"/>
+      </p:ext>
+    </p:extLst>
+  </p:cSld>
+  <p:clrMapOvr>
+    <a:masterClrMapping/>
+  </p:clrMapOvr>
+</p:sld>
+</file>
+
+<file path=ppt/slides/slide8.xml><?xml version="1.0" encoding="utf-8"?>
+<p:sld xmlns:a="http://schemas.openxmlformats.org/drawingml/2006/main" xmlns:r="http://schemas.openxmlformats.org/officeDocument/2006/relationships" xmlns:p="http://schemas.openxmlformats.org/presentationml/2006/main">
+  <p:cSld>
+    <p:spTree>
+      <p:nvGrpSpPr>
+        <p:cNvPr id="1" name=""/>
+        <p:cNvGrpSpPr/>
+        <p:nvPr/>
+      </p:nvGrpSpPr>
+      <p:grpSpPr>
+        <a:xfrm>
+          <a:off x="0" y="0"/>
+          <a:ext cx="0" cy="0"/>
+          <a:chOff x="0" y="0"/>
+          <a:chExt cx="0" cy="0"/>
+        </a:xfrm>
+      </p:grpSpPr>
+      <p:sp>
+        <p:nvSpPr>
+          <p:cNvPr id="2" name="Cím 1"/>
+          <p:cNvSpPr>
+            <a:spLocks noGrp="1"/>
+          </p:cNvSpPr>
+          <p:nvPr>
+            <p:ph type="ctrTitle"/>
+          </p:nvPr>
+        </p:nvSpPr>
+        <p:spPr>
+          <a:xfrm>
+            <a:off x="7521394" y="67963"/>
+            <a:ext cx="1548465" cy="583469"/>
+          </a:xfrm>
+        </p:spPr>
+        <p:txBody>
+          <a:bodyPr>
+            <a:normAutofit fontScale="90000"/>
+          </a:bodyPr>
+          <a:lstStyle/>
+          <a:p>
+            <a:r>
+              <a:rPr lang="hu-HU" sz="1800" dirty="0"/>
+              <a:t>Teszt modul</a:t>
+            </a:r>
+            <a:br>
+              <a:rPr lang="hu-HU" sz="1800" dirty="0"/>
+            </a:br>
+            <a:r>
+              <a:rPr lang="hu-HU" sz="1800" dirty="0"/>
+              <a:t>Fekete Attila</a:t>
+            </a:r>
+          </a:p>
+        </p:txBody>
+      </p:sp>
       <p:sp>
         <p:nvSpPr>
           <p:cNvPr id="3" name="Alcím 2"/>
@@ -5378,7 +5579,7 @@
 </p:sld>
 </file>
 
-<file path=ppt/slides/slide8.xml><?xml version="1.0" encoding="utf-8"?>
+<file path=ppt/slides/slide9.xml><?xml version="1.0" encoding="utf-8"?>
 <p:sld xmlns:a="http://schemas.openxmlformats.org/drawingml/2006/main" xmlns:r="http://schemas.openxmlformats.org/officeDocument/2006/relationships" xmlns:p="http://schemas.openxmlformats.org/presentationml/2006/main">
   <p:cSld>
     <p:bg>
